--- a/Module-3.pptx
+++ b/Module-3.pptx
@@ -29,9 +29,9 @@
     <p:sldId id="285" r:id="rId23"/>
     <p:sldId id="286" r:id="rId24"/>
     <p:sldId id="288" r:id="rId25"/>
-    <p:sldId id="287" r:id="rId26"/>
-    <p:sldId id="264" r:id="rId27"/>
-    <p:sldId id="265" r:id="rId28"/>
+    <p:sldId id="289" r:id="rId26"/>
+    <p:sldId id="290" r:id="rId27"/>
+    <p:sldId id="291" r:id="rId28"/>
   </p:sldIdLst>
   <p:sldSz cx="12192000" cy="6858000"/>
   <p:notesSz cx="6858000" cy="9144000"/>
@@ -195,7 +195,7 @@
           <a:noFill/>
           <a:extLst>
             <a:ext uri="{909E8E84-426E-40dd-AFC4-6F175D3DCCD1}">
-              <a14:hiddenFill xmlns:a14="http://schemas.microsoft.com/office/drawing/2010/main" xmlns="">
+              <a14:hiddenFill xmlns="" xmlns:a14="http://schemas.microsoft.com/office/drawing/2010/main">
                 <a:solidFill>
                   <a:srgbClr val="FFFFFF"/>
                 </a:solidFill>
@@ -254,7 +254,7 @@
             </a:ln>
             <a:extLst>
               <a:ext uri="{91240B29-F687-4f45-9708-019B960494DF}">
-                <a14:hiddenLine xmlns:a14="http://schemas.microsoft.com/office/drawing/2010/main" xmlns="" w="9525">
+                <a14:hiddenLine xmlns="" xmlns:a14="http://schemas.microsoft.com/office/drawing/2010/main" w="9525">
                   <a:solidFill>
                     <a:srgbClr val="000000"/>
                   </a:solidFill>
@@ -344,7 +344,7 @@
             </a:ln>
             <a:extLst>
               <a:ext uri="{91240B29-F687-4f45-9708-019B960494DF}">
-                <a14:hiddenLine xmlns:a14="http://schemas.microsoft.com/office/drawing/2010/main" xmlns="" w="9525">
+                <a14:hiddenLine xmlns="" xmlns:a14="http://schemas.microsoft.com/office/drawing/2010/main" w="9525">
                   <a:solidFill>
                     <a:srgbClr val="000000"/>
                   </a:solidFill>
@@ -434,7 +434,7 @@
             </a:ln>
             <a:extLst>
               <a:ext uri="{91240B29-F687-4f45-9708-019B960494DF}">
-                <a14:hiddenLine xmlns:a14="http://schemas.microsoft.com/office/drawing/2010/main" xmlns="" w="9525">
+                <a14:hiddenLine xmlns="" xmlns:a14="http://schemas.microsoft.com/office/drawing/2010/main" w="9525">
                   <a:solidFill>
                     <a:srgbClr val="000000"/>
                   </a:solidFill>
@@ -468,7 +468,7 @@
             </a:ln>
             <a:extLst>
               <a:ext uri="{91240B29-F687-4f45-9708-019B960494DF}">
-                <a14:hiddenLine xmlns:a14="http://schemas.microsoft.com/office/drawing/2010/main" xmlns="" w="9525">
+                <a14:hiddenLine xmlns="" xmlns:a14="http://schemas.microsoft.com/office/drawing/2010/main" w="9525">
                   <a:solidFill>
                     <a:srgbClr val="000000"/>
                   </a:solidFill>
@@ -558,7 +558,7 @@
             </a:ln>
             <a:extLst>
               <a:ext uri="{91240B29-F687-4f45-9708-019B960494DF}">
-                <a14:hiddenLine xmlns:a14="http://schemas.microsoft.com/office/drawing/2010/main" xmlns="" w="9525">
+                <a14:hiddenLine xmlns="" xmlns:a14="http://schemas.microsoft.com/office/drawing/2010/main" w="9525">
                   <a:solidFill>
                     <a:srgbClr val="000000"/>
                   </a:solidFill>
@@ -620,7 +620,7 @@
             </a:ln>
             <a:extLst>
               <a:ext uri="{91240B29-F687-4f45-9708-019B960494DF}">
-                <a14:hiddenLine xmlns:a14="http://schemas.microsoft.com/office/drawing/2010/main" xmlns="" w="9525">
+                <a14:hiddenLine xmlns="" xmlns:a14="http://schemas.microsoft.com/office/drawing/2010/main" w="9525">
                   <a:solidFill>
                     <a:srgbClr val="000000"/>
                   </a:solidFill>
@@ -682,7 +682,7 @@
             </a:ln>
             <a:extLst>
               <a:ext uri="{91240B29-F687-4f45-9708-019B960494DF}">
-                <a14:hiddenLine xmlns:a14="http://schemas.microsoft.com/office/drawing/2010/main" xmlns="" w="9525">
+                <a14:hiddenLine xmlns="" xmlns:a14="http://schemas.microsoft.com/office/drawing/2010/main" w="9525">
                   <a:solidFill>
                     <a:srgbClr val="000000"/>
                   </a:solidFill>
@@ -772,7 +772,7 @@
             </a:ln>
             <a:extLst>
               <a:ext uri="{91240B29-F687-4f45-9708-019B960494DF}">
-                <a14:hiddenLine xmlns:a14="http://schemas.microsoft.com/office/drawing/2010/main" xmlns="" w="9525">
+                <a14:hiddenLine xmlns="" xmlns:a14="http://schemas.microsoft.com/office/drawing/2010/main" w="9525">
                   <a:solidFill>
                     <a:srgbClr val="000000"/>
                   </a:solidFill>
@@ -834,7 +834,7 @@
             </a:ln>
             <a:extLst>
               <a:ext uri="{91240B29-F687-4f45-9708-019B960494DF}">
-                <a14:hiddenLine xmlns:a14="http://schemas.microsoft.com/office/drawing/2010/main" xmlns="" w="9525">
+                <a14:hiddenLine xmlns="" xmlns:a14="http://schemas.microsoft.com/office/drawing/2010/main" w="9525">
                   <a:solidFill>
                     <a:srgbClr val="000000"/>
                   </a:solidFill>
@@ -896,7 +896,7 @@
             </a:ln>
             <a:extLst>
               <a:ext uri="{91240B29-F687-4f45-9708-019B960494DF}">
-                <a14:hiddenLine xmlns:a14="http://schemas.microsoft.com/office/drawing/2010/main" xmlns="" w="9525">
+                <a14:hiddenLine xmlns="" xmlns:a14="http://schemas.microsoft.com/office/drawing/2010/main" w="9525">
                   <a:solidFill>
                     <a:srgbClr val="000000"/>
                   </a:solidFill>
@@ -986,7 +986,7 @@
             </a:ln>
             <a:extLst>
               <a:ext uri="{91240B29-F687-4f45-9708-019B960494DF}">
-                <a14:hiddenLine xmlns:a14="http://schemas.microsoft.com/office/drawing/2010/main" xmlns="" w="9525">
+                <a14:hiddenLine xmlns="" xmlns:a14="http://schemas.microsoft.com/office/drawing/2010/main" w="9525">
                   <a:solidFill>
                     <a:srgbClr val="000000"/>
                   </a:solidFill>
@@ -1076,7 +1076,7 @@
             </a:ln>
             <a:extLst>
               <a:ext uri="{91240B29-F687-4f45-9708-019B960494DF}">
-                <a14:hiddenLine xmlns:a14="http://schemas.microsoft.com/office/drawing/2010/main" xmlns="" w="9525">
+                <a14:hiddenLine xmlns="" xmlns:a14="http://schemas.microsoft.com/office/drawing/2010/main" w="9525">
                   <a:solidFill>
                     <a:srgbClr val="000000"/>
                   </a:solidFill>
@@ -1138,7 +1138,7 @@
             </a:ln>
             <a:extLst>
               <a:ext uri="{91240B29-F687-4f45-9708-019B960494DF}">
-                <a14:hiddenLine xmlns:a14="http://schemas.microsoft.com/office/drawing/2010/main" xmlns="" w="9525">
+                <a14:hiddenLine xmlns="" xmlns:a14="http://schemas.microsoft.com/office/drawing/2010/main" w="9525">
                   <a:solidFill>
                     <a:srgbClr val="000000"/>
                   </a:solidFill>
@@ -1248,7 +1248,7 @@
             </a:ln>
             <a:extLst>
               <a:ext uri="{91240B29-F687-4f45-9708-019B960494DF}">
-                <a14:hiddenLine xmlns:a14="http://schemas.microsoft.com/office/drawing/2010/main" xmlns="" w="9525">
+                <a14:hiddenLine xmlns="" xmlns:a14="http://schemas.microsoft.com/office/drawing/2010/main" w="9525">
                   <a:solidFill>
                     <a:srgbClr val="000000"/>
                   </a:solidFill>
@@ -1310,7 +1310,7 @@
             </a:ln>
             <a:extLst>
               <a:ext uri="{91240B29-F687-4f45-9708-019B960494DF}">
-                <a14:hiddenLine xmlns:a14="http://schemas.microsoft.com/office/drawing/2010/main" xmlns="" w="9525">
+                <a14:hiddenLine xmlns="" xmlns:a14="http://schemas.microsoft.com/office/drawing/2010/main" w="9525">
                   <a:solidFill>
                     <a:srgbClr val="000000"/>
                   </a:solidFill>
@@ -1400,7 +1400,7 @@
             </a:ln>
             <a:extLst>
               <a:ext uri="{91240B29-F687-4f45-9708-019B960494DF}">
-                <a14:hiddenLine xmlns:a14="http://schemas.microsoft.com/office/drawing/2010/main" xmlns="" w="9525">
+                <a14:hiddenLine xmlns="" xmlns:a14="http://schemas.microsoft.com/office/drawing/2010/main" w="9525">
                   <a:solidFill>
                     <a:srgbClr val="000000"/>
                   </a:solidFill>
@@ -1490,7 +1490,7 @@
             </a:ln>
             <a:extLst>
               <a:ext uri="{91240B29-F687-4f45-9708-019B960494DF}">
-                <a14:hiddenLine xmlns:a14="http://schemas.microsoft.com/office/drawing/2010/main" xmlns="" w="9525">
+                <a14:hiddenLine xmlns="" xmlns:a14="http://schemas.microsoft.com/office/drawing/2010/main" w="9525">
                   <a:solidFill>
                     <a:srgbClr val="000000"/>
                   </a:solidFill>
@@ -1552,7 +1552,7 @@
             </a:ln>
             <a:extLst>
               <a:ext uri="{91240B29-F687-4f45-9708-019B960494DF}">
-                <a14:hiddenLine xmlns:a14="http://schemas.microsoft.com/office/drawing/2010/main" xmlns="" w="9525">
+                <a14:hiddenLine xmlns="" xmlns:a14="http://schemas.microsoft.com/office/drawing/2010/main" w="9525">
                   <a:solidFill>
                     <a:srgbClr val="000000"/>
                   </a:solidFill>
@@ -1642,7 +1642,7 @@
             </a:ln>
             <a:extLst>
               <a:ext uri="{91240B29-F687-4f45-9708-019B960494DF}">
-                <a14:hiddenLine xmlns:a14="http://schemas.microsoft.com/office/drawing/2010/main" xmlns="" w="9525">
+                <a14:hiddenLine xmlns="" xmlns:a14="http://schemas.microsoft.com/office/drawing/2010/main" w="9525">
                   <a:solidFill>
                     <a:srgbClr val="000000"/>
                   </a:solidFill>
@@ -1732,7 +1732,7 @@
             </a:ln>
             <a:extLst>
               <a:ext uri="{91240B29-F687-4f45-9708-019B960494DF}">
-                <a14:hiddenLine xmlns:a14="http://schemas.microsoft.com/office/drawing/2010/main" xmlns="" w="9525">
+                <a14:hiddenLine xmlns="" xmlns:a14="http://schemas.microsoft.com/office/drawing/2010/main" w="9525">
                   <a:solidFill>
                     <a:srgbClr val="000000"/>
                   </a:solidFill>
@@ -1788,7 +1788,7 @@
             </a:ln>
             <a:extLst>
               <a:ext uri="{91240B29-F687-4f45-9708-019B960494DF}">
-                <a14:hiddenLine xmlns:a14="http://schemas.microsoft.com/office/drawing/2010/main" xmlns="" w="9525">
+                <a14:hiddenLine xmlns="" xmlns:a14="http://schemas.microsoft.com/office/drawing/2010/main" w="9525">
                   <a:solidFill>
                     <a:srgbClr val="000000"/>
                   </a:solidFill>
@@ -1878,7 +1878,7 @@
             </a:ln>
             <a:extLst>
               <a:ext uri="{91240B29-F687-4f45-9708-019B960494DF}">
-                <a14:hiddenLine xmlns:a14="http://schemas.microsoft.com/office/drawing/2010/main" xmlns="" w="9525">
+                <a14:hiddenLine xmlns="" xmlns:a14="http://schemas.microsoft.com/office/drawing/2010/main" w="9525">
                   <a:solidFill>
                     <a:srgbClr val="000000"/>
                   </a:solidFill>
@@ -1934,7 +1934,7 @@
             </a:ln>
             <a:extLst>
               <a:ext uri="{91240B29-F687-4f45-9708-019B960494DF}">
-                <a14:hiddenLine xmlns:a14="http://schemas.microsoft.com/office/drawing/2010/main" xmlns="" w="9525">
+                <a14:hiddenLine xmlns="" xmlns:a14="http://schemas.microsoft.com/office/drawing/2010/main" w="9525">
                   <a:solidFill>
                     <a:srgbClr val="000000"/>
                   </a:solidFill>
@@ -2024,7 +2024,7 @@
             </a:ln>
             <a:extLst>
               <a:ext uri="{91240B29-F687-4f45-9708-019B960494DF}">
-                <a14:hiddenLine xmlns:a14="http://schemas.microsoft.com/office/drawing/2010/main" xmlns="" w="9525">
+                <a14:hiddenLine xmlns="" xmlns:a14="http://schemas.microsoft.com/office/drawing/2010/main" w="9525">
                   <a:solidFill>
                     <a:srgbClr val="000000"/>
                   </a:solidFill>
@@ -2092,7 +2092,7 @@
             </a:ln>
             <a:extLst>
               <a:ext uri="{91240B29-F687-4f45-9708-019B960494DF}">
-                <a14:hiddenLine xmlns:a14="http://schemas.microsoft.com/office/drawing/2010/main" xmlns="" w="9525">
+                <a14:hiddenLine xmlns="" xmlns:a14="http://schemas.microsoft.com/office/drawing/2010/main" w="9525">
                   <a:solidFill>
                     <a:srgbClr val="000000"/>
                   </a:solidFill>
@@ -2182,7 +2182,7 @@
             </a:ln>
             <a:extLst>
               <a:ext uri="{91240B29-F687-4f45-9708-019B960494DF}">
-                <a14:hiddenLine xmlns:a14="http://schemas.microsoft.com/office/drawing/2010/main" xmlns="" w="9525">
+                <a14:hiddenLine xmlns="" xmlns:a14="http://schemas.microsoft.com/office/drawing/2010/main" w="9525">
                   <a:solidFill>
                     <a:srgbClr val="000000"/>
                   </a:solidFill>
@@ -2250,7 +2250,7 @@
             </a:ln>
             <a:extLst>
               <a:ext uri="{91240B29-F687-4f45-9708-019B960494DF}">
-                <a14:hiddenLine xmlns:a14="http://schemas.microsoft.com/office/drawing/2010/main" xmlns="" w="9525">
+                <a14:hiddenLine xmlns="" xmlns:a14="http://schemas.microsoft.com/office/drawing/2010/main" w="9525">
                   <a:solidFill>
                     <a:srgbClr val="000000"/>
                   </a:solidFill>
@@ -2340,7 +2340,7 @@
             </a:ln>
             <a:extLst>
               <a:ext uri="{91240B29-F687-4f45-9708-019B960494DF}">
-                <a14:hiddenLine xmlns:a14="http://schemas.microsoft.com/office/drawing/2010/main" xmlns="" w="9525">
+                <a14:hiddenLine xmlns="" xmlns:a14="http://schemas.microsoft.com/office/drawing/2010/main" w="9525">
                   <a:solidFill>
                     <a:srgbClr val="000000"/>
                   </a:solidFill>
@@ -2374,7 +2374,7 @@
             </a:ln>
             <a:extLst>
               <a:ext uri="{91240B29-F687-4f45-9708-019B960494DF}">
-                <a14:hiddenLine xmlns:a14="http://schemas.microsoft.com/office/drawing/2010/main" xmlns="" w="9525">
+                <a14:hiddenLine xmlns="" xmlns:a14="http://schemas.microsoft.com/office/drawing/2010/main" w="9525">
                   <a:solidFill>
                     <a:srgbClr val="000000"/>
                   </a:solidFill>
@@ -2464,7 +2464,7 @@
             </a:ln>
             <a:extLst>
               <a:ext uri="{91240B29-F687-4f45-9708-019B960494DF}">
-                <a14:hiddenLine xmlns:a14="http://schemas.microsoft.com/office/drawing/2010/main" xmlns="" w="9525">
+                <a14:hiddenLine xmlns="" xmlns:a14="http://schemas.microsoft.com/office/drawing/2010/main" w="9525">
                   <a:solidFill>
                     <a:srgbClr val="000000"/>
                   </a:solidFill>
@@ -2526,7 +2526,7 @@
             </a:ln>
             <a:extLst>
               <a:ext uri="{91240B29-F687-4f45-9708-019B960494DF}">
-                <a14:hiddenLine xmlns:a14="http://schemas.microsoft.com/office/drawing/2010/main" xmlns="" w="9525">
+                <a14:hiddenLine xmlns="" xmlns:a14="http://schemas.microsoft.com/office/drawing/2010/main" w="9525">
                   <a:solidFill>
                     <a:srgbClr val="000000"/>
                   </a:solidFill>
@@ -2588,7 +2588,7 @@
             </a:ln>
             <a:extLst>
               <a:ext uri="{91240B29-F687-4f45-9708-019B960494DF}">
-                <a14:hiddenLine xmlns:a14="http://schemas.microsoft.com/office/drawing/2010/main" xmlns="" w="9525">
+                <a14:hiddenLine xmlns="" xmlns:a14="http://schemas.microsoft.com/office/drawing/2010/main" w="9525">
                   <a:solidFill>
                     <a:srgbClr val="000000"/>
                   </a:solidFill>
@@ -2678,7 +2678,7 @@
             </a:ln>
             <a:extLst>
               <a:ext uri="{91240B29-F687-4f45-9708-019B960494DF}">
-                <a14:hiddenLine xmlns:a14="http://schemas.microsoft.com/office/drawing/2010/main" xmlns="" w="9525">
+                <a14:hiddenLine xmlns="" xmlns:a14="http://schemas.microsoft.com/office/drawing/2010/main" w="9525">
                   <a:solidFill>
                     <a:srgbClr val="000000"/>
                   </a:solidFill>
@@ -2746,7 +2746,7 @@
             </a:ln>
             <a:extLst>
               <a:ext uri="{91240B29-F687-4f45-9708-019B960494DF}">
-                <a14:hiddenLine xmlns:a14="http://schemas.microsoft.com/office/drawing/2010/main" xmlns="" w="9525">
+                <a14:hiddenLine xmlns="" xmlns:a14="http://schemas.microsoft.com/office/drawing/2010/main" w="9525">
                   <a:solidFill>
                     <a:srgbClr val="000000"/>
                   </a:solidFill>
@@ -2808,7 +2808,7 @@
             </a:ln>
             <a:extLst>
               <a:ext uri="{91240B29-F687-4f45-9708-019B960494DF}">
-                <a14:hiddenLine xmlns:a14="http://schemas.microsoft.com/office/drawing/2010/main" xmlns="" w="9525">
+                <a14:hiddenLine xmlns="" xmlns:a14="http://schemas.microsoft.com/office/drawing/2010/main" w="9525">
                   <a:solidFill>
                     <a:srgbClr val="000000"/>
                   </a:solidFill>
@@ -2898,7 +2898,7 @@
             </a:ln>
             <a:extLst>
               <a:ext uri="{91240B29-F687-4f45-9708-019B960494DF}">
-                <a14:hiddenLine xmlns:a14="http://schemas.microsoft.com/office/drawing/2010/main" xmlns="" w="9525">
+                <a14:hiddenLine xmlns="" xmlns:a14="http://schemas.microsoft.com/office/drawing/2010/main" w="9525">
                   <a:solidFill>
                     <a:srgbClr val="000000"/>
                   </a:solidFill>
@@ -2960,7 +2960,7 @@
             </a:ln>
             <a:extLst>
               <a:ext uri="{91240B29-F687-4f45-9708-019B960494DF}">
-                <a14:hiddenLine xmlns:a14="http://schemas.microsoft.com/office/drawing/2010/main" xmlns="" w="9525">
+                <a14:hiddenLine xmlns="" xmlns:a14="http://schemas.microsoft.com/office/drawing/2010/main" w="9525">
                   <a:solidFill>
                     <a:srgbClr val="000000"/>
                   </a:solidFill>
@@ -3050,7 +3050,7 @@
             </a:ln>
             <a:extLst>
               <a:ext uri="{91240B29-F687-4f45-9708-019B960494DF}">
-                <a14:hiddenLine xmlns:a14="http://schemas.microsoft.com/office/drawing/2010/main" xmlns="" w="9525">
+                <a14:hiddenLine xmlns="" xmlns:a14="http://schemas.microsoft.com/office/drawing/2010/main" w="9525">
                   <a:solidFill>
                     <a:srgbClr val="000000"/>
                   </a:solidFill>
@@ -3112,7 +3112,7 @@
             </a:ln>
             <a:extLst>
               <a:ext uri="{91240B29-F687-4f45-9708-019B960494DF}">
-                <a14:hiddenLine xmlns:a14="http://schemas.microsoft.com/office/drawing/2010/main" xmlns="" w="9525">
+                <a14:hiddenLine xmlns="" xmlns:a14="http://schemas.microsoft.com/office/drawing/2010/main" w="9525">
                   <a:solidFill>
                     <a:srgbClr val="000000"/>
                   </a:solidFill>
@@ -3202,7 +3202,7 @@
             </a:ln>
             <a:extLst>
               <a:ext uri="{91240B29-F687-4f45-9708-019B960494DF}">
-                <a14:hiddenLine xmlns:a14="http://schemas.microsoft.com/office/drawing/2010/main" xmlns="" w="9525">
+                <a14:hiddenLine xmlns="" xmlns:a14="http://schemas.microsoft.com/office/drawing/2010/main" w="9525">
                   <a:solidFill>
                     <a:srgbClr val="000000"/>
                   </a:solidFill>
@@ -3236,7 +3236,7 @@
             </a:ln>
             <a:extLst>
               <a:ext uri="{91240B29-F687-4f45-9708-019B960494DF}">
-                <a14:hiddenLine xmlns:a14="http://schemas.microsoft.com/office/drawing/2010/main" xmlns="" w="9525">
+                <a14:hiddenLine xmlns="" xmlns:a14="http://schemas.microsoft.com/office/drawing/2010/main" w="9525">
                   <a:solidFill>
                     <a:srgbClr val="000000"/>
                   </a:solidFill>
@@ -3301,7 +3301,7 @@
             </a:ln>
             <a:extLst>
               <a:ext uri="{91240B29-F687-4f45-9708-019B960494DF}">
-                <a14:hiddenLine xmlns:a14="http://schemas.microsoft.com/office/drawing/2010/main" xmlns="" w="9525">
+                <a14:hiddenLine xmlns="" xmlns:a14="http://schemas.microsoft.com/office/drawing/2010/main" w="9525">
                   <a:solidFill>
                     <a:srgbClr val="000000"/>
                   </a:solidFill>
@@ -3391,7 +3391,7 @@
             </a:ln>
             <a:extLst>
               <a:ext uri="{91240B29-F687-4f45-9708-019B960494DF}">
-                <a14:hiddenLine xmlns:a14="http://schemas.microsoft.com/office/drawing/2010/main" xmlns="" w="9525">
+                <a14:hiddenLine xmlns="" xmlns:a14="http://schemas.microsoft.com/office/drawing/2010/main" w="9525">
                   <a:solidFill>
                     <a:srgbClr val="000000"/>
                   </a:solidFill>
@@ -3453,7 +3453,7 @@
             </a:ln>
             <a:extLst>
               <a:ext uri="{91240B29-F687-4f45-9708-019B960494DF}">
-                <a14:hiddenLine xmlns:a14="http://schemas.microsoft.com/office/drawing/2010/main" xmlns="" w="9525">
+                <a14:hiddenLine xmlns="" xmlns:a14="http://schemas.microsoft.com/office/drawing/2010/main" w="9525">
                   <a:solidFill>
                     <a:srgbClr val="000000"/>
                   </a:solidFill>
@@ -3543,7 +3543,7 @@
             </a:ln>
             <a:extLst>
               <a:ext uri="{91240B29-F687-4f45-9708-019B960494DF}">
-                <a14:hiddenLine xmlns:a14="http://schemas.microsoft.com/office/drawing/2010/main" xmlns="" w="9525">
+                <a14:hiddenLine xmlns="" xmlns:a14="http://schemas.microsoft.com/office/drawing/2010/main" w="9525">
                   <a:solidFill>
                     <a:srgbClr val="000000"/>
                   </a:solidFill>
@@ -3633,7 +3633,7 @@
             </a:ln>
             <a:extLst>
               <a:ext uri="{91240B29-F687-4f45-9708-019B960494DF}">
-                <a14:hiddenLine xmlns:a14="http://schemas.microsoft.com/office/drawing/2010/main" xmlns="" w="9525">
+                <a14:hiddenLine xmlns="" xmlns:a14="http://schemas.microsoft.com/office/drawing/2010/main" w="9525">
                   <a:solidFill>
                     <a:srgbClr val="000000"/>
                   </a:solidFill>
@@ -3698,7 +3698,7 @@
             </a:ln>
             <a:extLst>
               <a:ext uri="{91240B29-F687-4f45-9708-019B960494DF}">
-                <a14:hiddenLine xmlns:a14="http://schemas.microsoft.com/office/drawing/2010/main" xmlns="" w="9525">
+                <a14:hiddenLine xmlns="" xmlns:a14="http://schemas.microsoft.com/office/drawing/2010/main" w="9525">
                   <a:solidFill>
                     <a:srgbClr val="000000"/>
                   </a:solidFill>
@@ -3760,7 +3760,7 @@
             </a:ln>
             <a:extLst>
               <a:ext uri="{91240B29-F687-4f45-9708-019B960494DF}">
-                <a14:hiddenLine xmlns:a14="http://schemas.microsoft.com/office/drawing/2010/main" xmlns="" w="9525">
+                <a14:hiddenLine xmlns="" xmlns:a14="http://schemas.microsoft.com/office/drawing/2010/main" w="9525">
                   <a:solidFill>
                     <a:srgbClr val="000000"/>
                   </a:solidFill>
@@ -3850,7 +3850,7 @@
             </a:ln>
             <a:extLst>
               <a:ext uri="{91240B29-F687-4f45-9708-019B960494DF}">
-                <a14:hiddenLine xmlns:a14="http://schemas.microsoft.com/office/drawing/2010/main" xmlns="" w="9525">
+                <a14:hiddenLine xmlns="" xmlns:a14="http://schemas.microsoft.com/office/drawing/2010/main" w="9525">
                   <a:solidFill>
                     <a:srgbClr val="000000"/>
                   </a:solidFill>
@@ -3940,7 +3940,7 @@
             </a:ln>
             <a:extLst>
               <a:ext uri="{91240B29-F687-4f45-9708-019B960494DF}">
-                <a14:hiddenLine xmlns:a14="http://schemas.microsoft.com/office/drawing/2010/main" xmlns="" w="9525">
+                <a14:hiddenLine xmlns="" xmlns:a14="http://schemas.microsoft.com/office/drawing/2010/main" w="9525">
                   <a:solidFill>
                     <a:srgbClr val="000000"/>
                   </a:solidFill>
@@ -4002,7 +4002,7 @@
             </a:ln>
             <a:extLst>
               <a:ext uri="{91240B29-F687-4f45-9708-019B960494DF}">
-                <a14:hiddenLine xmlns:a14="http://schemas.microsoft.com/office/drawing/2010/main" xmlns="" w="9525">
+                <a14:hiddenLine xmlns="" xmlns:a14="http://schemas.microsoft.com/office/drawing/2010/main" w="9525">
                   <a:solidFill>
                     <a:srgbClr val="000000"/>
                   </a:solidFill>
@@ -4122,7 +4122,7 @@
             </a:ln>
             <a:extLst>
               <a:ext uri="{91240B29-F687-4f45-9708-019B960494DF}">
-                <a14:hiddenLine xmlns:a14="http://schemas.microsoft.com/office/drawing/2010/main" xmlns="" w="9525">
+                <a14:hiddenLine xmlns="" xmlns:a14="http://schemas.microsoft.com/office/drawing/2010/main" w="9525">
                   <a:solidFill>
                     <a:srgbClr val="000000"/>
                   </a:solidFill>
@@ -4190,7 +4190,7 @@
             </a:ln>
             <a:extLst>
               <a:ext uri="{91240B29-F687-4f45-9708-019B960494DF}">
-                <a14:hiddenLine xmlns:a14="http://schemas.microsoft.com/office/drawing/2010/main" xmlns="" w="9525">
+                <a14:hiddenLine xmlns="" xmlns:a14="http://schemas.microsoft.com/office/drawing/2010/main" w="9525">
                   <a:solidFill>
                     <a:srgbClr val="000000"/>
                   </a:solidFill>
@@ -4280,7 +4280,7 @@
             </a:ln>
             <a:extLst>
               <a:ext uri="{91240B29-F687-4f45-9708-019B960494DF}">
-                <a14:hiddenLine xmlns:a14="http://schemas.microsoft.com/office/drawing/2010/main" xmlns="" w="9525">
+                <a14:hiddenLine xmlns="" xmlns:a14="http://schemas.microsoft.com/office/drawing/2010/main" w="9525">
                   <a:solidFill>
                     <a:srgbClr val="000000"/>
                   </a:solidFill>
@@ -9009,7 +9009,7 @@
           <a:noFill/>
           <a:extLst>
             <a:ext uri="{909E8E84-426E-40dd-AFC4-6F175D3DCCD1}">
-              <a14:hiddenFill xmlns:a14="http://schemas.microsoft.com/office/drawing/2010/main" xmlns="">
+              <a14:hiddenFill xmlns="" xmlns:a14="http://schemas.microsoft.com/office/drawing/2010/main">
                 <a:solidFill>
                   <a:srgbClr val="FFFFFF"/>
                 </a:solidFill>
@@ -9083,7 +9083,7 @@
               </a:ln>
               <a:extLst>
                 <a:ext uri="{91240B29-F687-4f45-9708-019B960494DF}">
-                  <a14:hiddenLine xmlns:a14="http://schemas.microsoft.com/office/drawing/2010/main" xmlns="" w="9525">
+                  <a14:hiddenLine xmlns="" xmlns:a14="http://schemas.microsoft.com/office/drawing/2010/main" w="9525">
                     <a:solidFill>
                       <a:srgbClr val="000000"/>
                     </a:solidFill>
@@ -9173,7 +9173,7 @@
               </a:ln>
               <a:extLst>
                 <a:ext uri="{91240B29-F687-4f45-9708-019B960494DF}">
-                  <a14:hiddenLine xmlns:a14="http://schemas.microsoft.com/office/drawing/2010/main" xmlns="" w="9525">
+                  <a14:hiddenLine xmlns="" xmlns:a14="http://schemas.microsoft.com/office/drawing/2010/main" w="9525">
                     <a:solidFill>
                       <a:srgbClr val="000000"/>
                     </a:solidFill>
@@ -9263,7 +9263,7 @@
               </a:ln>
               <a:extLst>
                 <a:ext uri="{91240B29-F687-4f45-9708-019B960494DF}">
-                  <a14:hiddenLine xmlns:a14="http://schemas.microsoft.com/office/drawing/2010/main" xmlns="" w="9525">
+                  <a14:hiddenLine xmlns="" xmlns:a14="http://schemas.microsoft.com/office/drawing/2010/main" w="9525">
                     <a:solidFill>
                       <a:srgbClr val="000000"/>
                     </a:solidFill>
@@ -9325,7 +9325,7 @@
               </a:ln>
               <a:extLst>
                 <a:ext uri="{91240B29-F687-4f45-9708-019B960494DF}">
-                  <a14:hiddenLine xmlns:a14="http://schemas.microsoft.com/office/drawing/2010/main" xmlns="" w="9525">
+                  <a14:hiddenLine xmlns="" xmlns:a14="http://schemas.microsoft.com/office/drawing/2010/main" w="9525">
                     <a:solidFill>
                       <a:srgbClr val="000000"/>
                     </a:solidFill>
@@ -9415,7 +9415,7 @@
               </a:ln>
               <a:extLst>
                 <a:ext uri="{91240B29-F687-4f45-9708-019B960494DF}">
-                  <a14:hiddenLine xmlns:a14="http://schemas.microsoft.com/office/drawing/2010/main" xmlns="" w="9525">
+                  <a14:hiddenLine xmlns="" xmlns:a14="http://schemas.microsoft.com/office/drawing/2010/main" w="9525">
                     <a:solidFill>
                       <a:srgbClr val="000000"/>
                     </a:solidFill>
@@ -9477,7 +9477,7 @@
               </a:ln>
               <a:extLst>
                 <a:ext uri="{91240B29-F687-4f45-9708-019B960494DF}">
-                  <a14:hiddenLine xmlns:a14="http://schemas.microsoft.com/office/drawing/2010/main" xmlns="" w="9525">
+                  <a14:hiddenLine xmlns="" xmlns:a14="http://schemas.microsoft.com/office/drawing/2010/main" w="9525">
                     <a:solidFill>
                       <a:srgbClr val="000000"/>
                     </a:solidFill>
@@ -9539,7 +9539,7 @@
               </a:ln>
               <a:extLst>
                 <a:ext uri="{91240B29-F687-4f45-9708-019B960494DF}">
-                  <a14:hiddenLine xmlns:a14="http://schemas.microsoft.com/office/drawing/2010/main" xmlns="" w="9525">
+                  <a14:hiddenLine xmlns="" xmlns:a14="http://schemas.microsoft.com/office/drawing/2010/main" w="9525">
                     <a:solidFill>
                       <a:srgbClr val="000000"/>
                     </a:solidFill>
@@ -9629,7 +9629,7 @@
               </a:ln>
               <a:extLst>
                 <a:ext uri="{91240B29-F687-4f45-9708-019B960494DF}">
-                  <a14:hiddenLine xmlns:a14="http://schemas.microsoft.com/office/drawing/2010/main" xmlns="" w="9525">
+                  <a14:hiddenLine xmlns="" xmlns:a14="http://schemas.microsoft.com/office/drawing/2010/main" w="9525">
                     <a:solidFill>
                       <a:srgbClr val="000000"/>
                     </a:solidFill>
@@ -9719,7 +9719,7 @@
               </a:ln>
               <a:extLst>
                 <a:ext uri="{91240B29-F687-4f45-9708-019B960494DF}">
-                  <a14:hiddenLine xmlns:a14="http://schemas.microsoft.com/office/drawing/2010/main" xmlns="" w="9525">
+                  <a14:hiddenLine xmlns="" xmlns:a14="http://schemas.microsoft.com/office/drawing/2010/main" w="9525">
                     <a:solidFill>
                       <a:srgbClr val="000000"/>
                     </a:solidFill>
@@ -9781,7 +9781,7 @@
               </a:ln>
               <a:extLst>
                 <a:ext uri="{91240B29-F687-4f45-9708-019B960494DF}">
-                  <a14:hiddenLine xmlns:a14="http://schemas.microsoft.com/office/drawing/2010/main" xmlns="" w="9525">
+                  <a14:hiddenLine xmlns="" xmlns:a14="http://schemas.microsoft.com/office/drawing/2010/main" w="9525">
                     <a:solidFill>
                       <a:srgbClr val="000000"/>
                     </a:solidFill>
@@ -9891,7 +9891,7 @@
               </a:ln>
               <a:extLst>
                 <a:ext uri="{91240B29-F687-4f45-9708-019B960494DF}">
-                  <a14:hiddenLine xmlns:a14="http://schemas.microsoft.com/office/drawing/2010/main" xmlns="" w="9525">
+                  <a14:hiddenLine xmlns="" xmlns:a14="http://schemas.microsoft.com/office/drawing/2010/main" w="9525">
                     <a:solidFill>
                       <a:srgbClr val="000000"/>
                     </a:solidFill>
@@ -9975,7 +9975,7 @@
               </a:ln>
               <a:extLst>
                 <a:ext uri="{91240B29-F687-4f45-9708-019B960494DF}">
-                  <a14:hiddenLine xmlns:a14="http://schemas.microsoft.com/office/drawing/2010/main" xmlns="" w="9525">
+                  <a14:hiddenLine xmlns="" xmlns:a14="http://schemas.microsoft.com/office/drawing/2010/main" w="9525">
                     <a:solidFill>
                       <a:srgbClr val="000000"/>
                     </a:solidFill>
@@ -10037,7 +10037,7 @@
               </a:ln>
               <a:extLst>
                 <a:ext uri="{91240B29-F687-4f45-9708-019B960494DF}">
-                  <a14:hiddenLine xmlns:a14="http://schemas.microsoft.com/office/drawing/2010/main" xmlns="" w="9525">
+                  <a14:hiddenLine xmlns="" xmlns:a14="http://schemas.microsoft.com/office/drawing/2010/main" w="9525">
                     <a:solidFill>
                       <a:srgbClr val="000000"/>
                     </a:solidFill>
@@ -10099,7 +10099,7 @@
               </a:ln>
               <a:extLst>
                 <a:ext uri="{91240B29-F687-4f45-9708-019B960494DF}">
-                  <a14:hiddenLine xmlns:a14="http://schemas.microsoft.com/office/drawing/2010/main" xmlns="" w="9525">
+                  <a14:hiddenLine xmlns="" xmlns:a14="http://schemas.microsoft.com/office/drawing/2010/main" w="9525">
                     <a:solidFill>
                       <a:srgbClr val="000000"/>
                     </a:solidFill>
@@ -10189,7 +10189,7 @@
               </a:ln>
               <a:extLst>
                 <a:ext uri="{91240B29-F687-4f45-9708-019B960494DF}">
-                  <a14:hiddenLine xmlns:a14="http://schemas.microsoft.com/office/drawing/2010/main" xmlns="" w="9525">
+                  <a14:hiddenLine xmlns="" xmlns:a14="http://schemas.microsoft.com/office/drawing/2010/main" w="9525">
                     <a:solidFill>
                       <a:srgbClr val="000000"/>
                     </a:solidFill>
@@ -10223,7 +10223,7 @@
               </a:ln>
               <a:extLst>
                 <a:ext uri="{91240B29-F687-4f45-9708-019B960494DF}">
-                  <a14:hiddenLine xmlns:a14="http://schemas.microsoft.com/office/drawing/2010/main" xmlns="" w="9525">
+                  <a14:hiddenLine xmlns="" xmlns:a14="http://schemas.microsoft.com/office/drawing/2010/main" w="9525">
                     <a:solidFill>
                       <a:srgbClr val="000000"/>
                     </a:solidFill>
@@ -10288,7 +10288,7 @@
               </a:ln>
               <a:extLst>
                 <a:ext uri="{91240B29-F687-4f45-9708-019B960494DF}">
-                  <a14:hiddenLine xmlns:a14="http://schemas.microsoft.com/office/drawing/2010/main" xmlns="" w="9525">
+                  <a14:hiddenLine xmlns="" xmlns:a14="http://schemas.microsoft.com/office/drawing/2010/main" w="9525">
                     <a:solidFill>
                       <a:srgbClr val="000000"/>
                     </a:solidFill>
@@ -10378,7 +10378,7 @@
               </a:ln>
               <a:extLst>
                 <a:ext uri="{91240B29-F687-4f45-9708-019B960494DF}">
-                  <a14:hiddenLine xmlns:a14="http://schemas.microsoft.com/office/drawing/2010/main" xmlns="" w="9525">
+                  <a14:hiddenLine xmlns="" xmlns:a14="http://schemas.microsoft.com/office/drawing/2010/main" w="9525">
                     <a:solidFill>
                       <a:srgbClr val="000000"/>
                     </a:solidFill>
@@ -10440,7 +10440,7 @@
               </a:ln>
               <a:extLst>
                 <a:ext uri="{91240B29-F687-4f45-9708-019B960494DF}">
-                  <a14:hiddenLine xmlns:a14="http://schemas.microsoft.com/office/drawing/2010/main" xmlns="" w="9525">
+                  <a14:hiddenLine xmlns="" xmlns:a14="http://schemas.microsoft.com/office/drawing/2010/main" w="9525">
                     <a:solidFill>
                       <a:srgbClr val="000000"/>
                     </a:solidFill>
@@ -10530,7 +10530,7 @@
               </a:ln>
               <a:extLst>
                 <a:ext uri="{91240B29-F687-4f45-9708-019B960494DF}">
-                  <a14:hiddenLine xmlns:a14="http://schemas.microsoft.com/office/drawing/2010/main" xmlns="" w="9525">
+                  <a14:hiddenLine xmlns="" xmlns:a14="http://schemas.microsoft.com/office/drawing/2010/main" w="9525">
                     <a:solidFill>
                       <a:srgbClr val="000000"/>
                     </a:solidFill>
@@ -10595,7 +10595,7 @@
               </a:ln>
               <a:extLst>
                 <a:ext uri="{91240B29-F687-4f45-9708-019B960494DF}">
-                  <a14:hiddenLine xmlns:a14="http://schemas.microsoft.com/office/drawing/2010/main" xmlns="" w="9525">
+                  <a14:hiddenLine xmlns="" xmlns:a14="http://schemas.microsoft.com/office/drawing/2010/main" w="9525">
                     <a:solidFill>
                       <a:srgbClr val="000000"/>
                     </a:solidFill>
@@ -10657,7 +10657,7 @@
               </a:ln>
               <a:extLst>
                 <a:ext uri="{91240B29-F687-4f45-9708-019B960494DF}">
-                  <a14:hiddenLine xmlns:a14="http://schemas.microsoft.com/office/drawing/2010/main" xmlns="" w="9525">
+                  <a14:hiddenLine xmlns="" xmlns:a14="http://schemas.microsoft.com/office/drawing/2010/main" w="9525">
                     <a:solidFill>
                       <a:srgbClr val="000000"/>
                     </a:solidFill>
@@ -10747,7 +10747,7 @@
               </a:ln>
               <a:extLst>
                 <a:ext uri="{91240B29-F687-4f45-9708-019B960494DF}">
-                  <a14:hiddenLine xmlns:a14="http://schemas.microsoft.com/office/drawing/2010/main" xmlns="" w="9525">
+                  <a14:hiddenLine xmlns="" xmlns:a14="http://schemas.microsoft.com/office/drawing/2010/main" w="9525">
                     <a:solidFill>
                       <a:srgbClr val="000000"/>
                     </a:solidFill>
@@ -10837,7 +10837,7 @@
               </a:ln>
               <a:extLst>
                 <a:ext uri="{91240B29-F687-4f45-9708-019B960494DF}">
-                  <a14:hiddenLine xmlns:a14="http://schemas.microsoft.com/office/drawing/2010/main" xmlns="" w="9525">
+                  <a14:hiddenLine xmlns="" xmlns:a14="http://schemas.microsoft.com/office/drawing/2010/main" w="9525">
                     <a:solidFill>
                       <a:srgbClr val="000000"/>
                     </a:solidFill>
@@ -10902,7 +10902,7 @@
               </a:ln>
               <a:extLst>
                 <a:ext uri="{91240B29-F687-4f45-9708-019B960494DF}">
-                  <a14:hiddenLine xmlns:a14="http://schemas.microsoft.com/office/drawing/2010/main" xmlns="" w="9525">
+                  <a14:hiddenLine xmlns="" xmlns:a14="http://schemas.microsoft.com/office/drawing/2010/main" w="9525">
                     <a:solidFill>
                       <a:srgbClr val="000000"/>
                     </a:solidFill>
@@ -11022,7 +11022,7 @@
               </a:ln>
               <a:extLst>
                 <a:ext uri="{91240B29-F687-4f45-9708-019B960494DF}">
-                  <a14:hiddenLine xmlns:a14="http://schemas.microsoft.com/office/drawing/2010/main" xmlns="" w="9525">
+                  <a14:hiddenLine xmlns="" xmlns:a14="http://schemas.microsoft.com/office/drawing/2010/main" w="9525">
                     <a:solidFill>
                       <a:srgbClr val="000000"/>
                     </a:solidFill>
@@ -11103,7 +11103,7 @@
               </a:ln>
               <a:extLst>
                 <a:ext uri="{91240B29-F687-4f45-9708-019B960494DF}">
-                  <a14:hiddenLine xmlns:a14="http://schemas.microsoft.com/office/drawing/2010/main" xmlns="" w="9525">
+                  <a14:hiddenLine xmlns="" xmlns:a14="http://schemas.microsoft.com/office/drawing/2010/main" w="9525">
                     <a:solidFill>
                       <a:srgbClr val="000000"/>
                     </a:solidFill>
@@ -11218,7 +11218,7 @@
               </a:ln>
               <a:extLst>
                 <a:ext uri="{91240B29-F687-4f45-9708-019B960494DF}">
-                  <a14:hiddenLine xmlns:a14="http://schemas.microsoft.com/office/drawing/2010/main" xmlns="" w="9525">
+                  <a14:hiddenLine xmlns="" xmlns:a14="http://schemas.microsoft.com/office/drawing/2010/main" w="9525">
                     <a:solidFill>
                       <a:srgbClr val="000000"/>
                     </a:solidFill>
@@ -11308,7 +11308,7 @@
               </a:ln>
               <a:extLst>
                 <a:ext uri="{91240B29-F687-4f45-9708-019B960494DF}">
-                  <a14:hiddenLine xmlns:a14="http://schemas.microsoft.com/office/drawing/2010/main" xmlns="" w="9525">
+                  <a14:hiddenLine xmlns="" xmlns:a14="http://schemas.microsoft.com/office/drawing/2010/main" w="9525">
                     <a:solidFill>
                       <a:srgbClr val="000000"/>
                     </a:solidFill>
@@ -11373,7 +11373,7 @@
               </a:ln>
               <a:extLst>
                 <a:ext uri="{91240B29-F687-4f45-9708-019B960494DF}">
-                  <a14:hiddenLine xmlns:a14="http://schemas.microsoft.com/office/drawing/2010/main" xmlns="" w="9525">
+                  <a14:hiddenLine xmlns="" xmlns:a14="http://schemas.microsoft.com/office/drawing/2010/main" w="9525">
                     <a:solidFill>
                       <a:srgbClr val="000000"/>
                     </a:solidFill>
@@ -11463,7 +11463,7 @@
               </a:ln>
               <a:extLst>
                 <a:ext uri="{91240B29-F687-4f45-9708-019B960494DF}">
-                  <a14:hiddenLine xmlns:a14="http://schemas.microsoft.com/office/drawing/2010/main" xmlns="" w="9525">
+                  <a14:hiddenLine xmlns="" xmlns:a14="http://schemas.microsoft.com/office/drawing/2010/main" w="9525">
                     <a:solidFill>
                       <a:srgbClr val="000000"/>
                     </a:solidFill>
@@ -11531,7 +11531,7 @@
               </a:ln>
               <a:extLst>
                 <a:ext uri="{91240B29-F687-4f45-9708-019B960494DF}">
-                  <a14:hiddenLine xmlns:a14="http://schemas.microsoft.com/office/drawing/2010/main" xmlns="" w="9525">
+                  <a14:hiddenLine xmlns="" xmlns:a14="http://schemas.microsoft.com/office/drawing/2010/main" w="9525">
                     <a:solidFill>
                       <a:srgbClr val="000000"/>
                     </a:solidFill>
@@ -11621,7 +11621,7 @@
               </a:ln>
               <a:extLst>
                 <a:ext uri="{91240B29-F687-4f45-9708-019B960494DF}">
-                  <a14:hiddenLine xmlns:a14="http://schemas.microsoft.com/office/drawing/2010/main" xmlns="" w="9525">
+                  <a14:hiddenLine xmlns="" xmlns:a14="http://schemas.microsoft.com/office/drawing/2010/main" w="9525">
                     <a:solidFill>
                       <a:srgbClr val="000000"/>
                     </a:solidFill>
@@ -11689,7 +11689,7 @@
               </a:ln>
               <a:extLst>
                 <a:ext uri="{91240B29-F687-4f45-9708-019B960494DF}">
-                  <a14:hiddenLine xmlns:a14="http://schemas.microsoft.com/office/drawing/2010/main" xmlns="" w="9525">
+                  <a14:hiddenLine xmlns="" xmlns:a14="http://schemas.microsoft.com/office/drawing/2010/main" w="9525">
                     <a:solidFill>
                       <a:srgbClr val="000000"/>
                     </a:solidFill>
@@ -11779,7 +11779,7 @@
               </a:ln>
               <a:extLst>
                 <a:ext uri="{91240B29-F687-4f45-9708-019B960494DF}">
-                  <a14:hiddenLine xmlns:a14="http://schemas.microsoft.com/office/drawing/2010/main" xmlns="" w="9525">
+                  <a14:hiddenLine xmlns="" xmlns:a14="http://schemas.microsoft.com/office/drawing/2010/main" w="9525">
                     <a:solidFill>
                       <a:srgbClr val="000000"/>
                     </a:solidFill>
@@ -11813,7 +11813,7 @@
               </a:ln>
               <a:extLst>
                 <a:ext uri="{91240B29-F687-4f45-9708-019B960494DF}">
-                  <a14:hiddenLine xmlns:a14="http://schemas.microsoft.com/office/drawing/2010/main" xmlns="" w="9525">
+                  <a14:hiddenLine xmlns="" xmlns:a14="http://schemas.microsoft.com/office/drawing/2010/main" w="9525">
                     <a:solidFill>
                       <a:srgbClr val="000000"/>
                     </a:solidFill>
@@ -17525,6 +17525,9 @@
           <a:prstGeom prst="cloudCallout">
             <a:avLst/>
           </a:prstGeom>
+          <a:solidFill>
+            <a:srgbClr val="FF0000"/>
+          </a:solidFill>
         </p:spPr>
         <p:style>
           <a:lnRef idx="2">
@@ -17550,14 +17553,25 @@
             <a:r>
               <a:rPr lang="en-US" sz="4800" dirty="0">
                 <a:solidFill>
-                  <a:srgbClr val="FF0000"/>
+                  <a:schemeClr val="bg1"/>
+                </a:solidFill>
+              </a:rPr>
+              <a:t>Public</a:t>
+            </a:r>
+          </a:p>
+          <a:p>
+            <a:pPr algn="ctr"/>
+            <a:r>
+              <a:rPr lang="en-US" sz="4800" dirty="0">
+                <a:solidFill>
+                  <a:schemeClr val="bg1"/>
                 </a:solidFill>
               </a:rPr>
               <a:t>Internet</a:t>
             </a:r>
             <a:endParaRPr lang="en-IN" sz="4800" dirty="0">
               <a:solidFill>
-                <a:srgbClr val="FF0000"/>
+                <a:schemeClr val="bg1"/>
               </a:solidFill>
             </a:endParaRPr>
           </a:p>
@@ -17681,6 +17695,107 @@
       </p:grpSpPr>
       <p:sp>
         <p:nvSpPr>
+          <p:cNvPr id="14" name="Oval 13">
+            <a:extLst>
+              <a:ext uri="{FF2B5EF4-FFF2-40B4-BE49-F238E27FC236}">
+                <a16:creationId xmlns:a16="http://schemas.microsoft.com/office/drawing/2014/main" id="{84B97D26-A84C-4B46-A92A-0CF2A077BC33}"/>
+              </a:ext>
+            </a:extLst>
+          </p:cNvPr>
+          <p:cNvSpPr/>
+          <p:nvPr/>
+        </p:nvSpPr>
+        <p:spPr>
+          <a:xfrm>
+            <a:off x="8603450" y="1033067"/>
+            <a:ext cx="3521544" cy="1816150"/>
+          </a:xfrm>
+          <a:prstGeom prst="ellipse">
+            <a:avLst/>
+          </a:prstGeom>
+          <a:solidFill>
+            <a:schemeClr val="accent5">
+              <a:lumMod val="40000"/>
+              <a:lumOff val="60000"/>
+            </a:schemeClr>
+          </a:solidFill>
+        </p:spPr>
+        <p:style>
+          <a:lnRef idx="2">
+            <a:schemeClr val="accent1">
+              <a:shade val="50000"/>
+            </a:schemeClr>
+          </a:lnRef>
+          <a:fillRef idx="1">
+            <a:schemeClr val="accent1"/>
+          </a:fillRef>
+          <a:effectRef idx="0">
+            <a:schemeClr val="accent1"/>
+          </a:effectRef>
+          <a:fontRef idx="minor">
+            <a:schemeClr val="lt1"/>
+          </a:fontRef>
+        </p:style>
+        <p:txBody>
+          <a:bodyPr rtlCol="0" anchor="ctr"/>
+          <a:lstStyle/>
+          <a:p>
+            <a:pPr algn="ctr"/>
+            <a:endParaRPr lang="en-IN"/>
+          </a:p>
+        </p:txBody>
+      </p:sp>
+      <p:sp>
+        <p:nvSpPr>
+          <p:cNvPr id="12" name="Oval 11">
+            <a:extLst>
+              <a:ext uri="{FF2B5EF4-FFF2-40B4-BE49-F238E27FC236}">
+                <a16:creationId xmlns:a16="http://schemas.microsoft.com/office/drawing/2014/main" id="{E16A21DE-6CFF-4675-AB12-FD4B45FF7F0B}"/>
+              </a:ext>
+            </a:extLst>
+          </p:cNvPr>
+          <p:cNvSpPr/>
+          <p:nvPr/>
+        </p:nvSpPr>
+        <p:spPr>
+          <a:xfrm>
+            <a:off x="211015" y="887897"/>
+            <a:ext cx="4841185" cy="5970104"/>
+          </a:xfrm>
+          <a:prstGeom prst="ellipse">
+            <a:avLst/>
+          </a:prstGeom>
+          <a:solidFill>
+            <a:srgbClr val="92D050"/>
+          </a:solidFill>
+        </p:spPr>
+        <p:style>
+          <a:lnRef idx="2">
+            <a:schemeClr val="accent1">
+              <a:shade val="50000"/>
+            </a:schemeClr>
+          </a:lnRef>
+          <a:fillRef idx="1">
+            <a:schemeClr val="accent1"/>
+          </a:fillRef>
+          <a:effectRef idx="0">
+            <a:schemeClr val="accent1"/>
+          </a:effectRef>
+          <a:fontRef idx="minor">
+            <a:schemeClr val="lt1"/>
+          </a:fontRef>
+        </p:style>
+        <p:txBody>
+          <a:bodyPr rtlCol="0" anchor="ctr"/>
+          <a:lstStyle/>
+          <a:p>
+            <a:pPr algn="ctr"/>
+            <a:endParaRPr lang="en-IN"/>
+          </a:p>
+        </p:txBody>
+      </p:sp>
+      <p:sp>
+        <p:nvSpPr>
           <p:cNvPr id="2" name="Title 1">
             <a:extLst>
               <a:ext uri="{FF2B5EF4-FFF2-40B4-BE49-F238E27FC236}">
@@ -17698,17 +17813,338 @@
         <p:spPr>
           <a:xfrm>
             <a:off x="1143001" y="360610"/>
-            <a:ext cx="9905998" cy="659297"/>
+            <a:ext cx="9905998" cy="421677"/>
           </a:xfrm>
         </p:spPr>
         <p:txBody>
-          <a:bodyPr/>
+          <a:bodyPr>
+            <a:normAutofit fontScale="90000"/>
+          </a:bodyPr>
           <a:lstStyle/>
           <a:p>
+            <a:pPr algn="ctr"/>
+            <a:r>
+              <a:rPr lang="en-US" dirty="0"/>
+              <a:t>Big Picture </a:t>
+            </a:r>
             <a:endParaRPr lang="en-IN" dirty="0"/>
           </a:p>
         </p:txBody>
       </p:sp>
+      <p:pic>
+        <p:nvPicPr>
+          <p:cNvPr id="4" name="Picture 6" descr="Electromagnetic Relay |HUIMULTD">
+            <a:extLst>
+              <a:ext uri="{FF2B5EF4-FFF2-40B4-BE49-F238E27FC236}">
+                <a16:creationId xmlns:a16="http://schemas.microsoft.com/office/drawing/2014/main" id="{048D4DA2-B98B-4305-B06C-58F62310AEDB}"/>
+              </a:ext>
+            </a:extLst>
+          </p:cNvPr>
+          <p:cNvPicPr>
+            <a:picLocks noChangeAspect="1" noChangeArrowheads="1"/>
+          </p:cNvPicPr>
+          <p:nvPr/>
+        </p:nvPicPr>
+        <p:blipFill>
+          <a:blip r:embed="rId2">
+            <a:extLst>
+              <a:ext uri="{28A0092B-C50C-407E-A947-70E740481C1C}">
+                <a14:useLocalDpi xmlns:a14="http://schemas.microsoft.com/office/drawing/2010/main" val="0"/>
+              </a:ext>
+            </a:extLst>
+          </a:blip>
+          <a:srcRect/>
+          <a:stretch>
+            <a:fillRect/>
+          </a:stretch>
+        </p:blipFill>
+        <p:spPr bwMode="auto">
+          <a:xfrm>
+            <a:off x="1967542" y="4327666"/>
+            <a:ext cx="1410525" cy="1410525"/>
+          </a:xfrm>
+          <a:prstGeom prst="rect">
+            <a:avLst/>
+          </a:prstGeom>
+          <a:noFill/>
+          <a:extLst>
+            <a:ext uri="{909E8E84-426E-40DD-AFC4-6F175D3DCCD1}">
+              <a14:hiddenFill xmlns:a14="http://schemas.microsoft.com/office/drawing/2010/main">
+                <a:solidFill>
+                  <a:srgbClr val="FFFFFF"/>
+                </a:solidFill>
+              </a14:hiddenFill>
+            </a:ext>
+          </a:extLst>
+        </p:spPr>
+      </p:pic>
+      <p:pic>
+        <p:nvPicPr>
+          <p:cNvPr id="6" name="Picture 2" descr="Agricultural Pump - Agriculture Pump Latest Price, Manufacturers ...">
+            <a:extLst>
+              <a:ext uri="{FF2B5EF4-FFF2-40B4-BE49-F238E27FC236}">
+                <a16:creationId xmlns:a16="http://schemas.microsoft.com/office/drawing/2014/main" id="{952B15EF-A640-4B73-B04D-BB7E69B65FA4}"/>
+              </a:ext>
+            </a:extLst>
+          </p:cNvPr>
+          <p:cNvPicPr>
+            <a:picLocks noChangeAspect="1" noChangeArrowheads="1"/>
+          </p:cNvPicPr>
+          <p:nvPr/>
+        </p:nvPicPr>
+        <p:blipFill>
+          <a:blip r:embed="rId3">
+            <a:extLst>
+              <a:ext uri="{28A0092B-C50C-407E-A947-70E740481C1C}">
+                <a14:useLocalDpi xmlns:a14="http://schemas.microsoft.com/office/drawing/2010/main" val="0"/>
+              </a:ext>
+            </a:extLst>
+          </a:blip>
+          <a:srcRect/>
+          <a:stretch>
+            <a:fillRect/>
+          </a:stretch>
+        </p:blipFill>
+        <p:spPr bwMode="auto">
+          <a:xfrm>
+            <a:off x="1549903" y="1726316"/>
+            <a:ext cx="2245802" cy="2245802"/>
+          </a:xfrm>
+          <a:prstGeom prst="rect">
+            <a:avLst/>
+          </a:prstGeom>
+          <a:noFill/>
+          <a:extLst>
+            <a:ext uri="{909E8E84-426E-40DD-AFC4-6F175D3DCCD1}">
+              <a14:hiddenFill xmlns:a14="http://schemas.microsoft.com/office/drawing/2010/main">
+                <a:solidFill>
+                  <a:srgbClr val="FFFFFF"/>
+                </a:solidFill>
+              </a14:hiddenFill>
+            </a:ext>
+          </a:extLst>
+        </p:spPr>
+      </p:pic>
+      <p:pic>
+        <p:nvPicPr>
+          <p:cNvPr id="8" name="Picture 2" descr="centiot ESP-WROOM-32 ESP32 ESP-32S Development Board Micro Controller Board Electronic Hobby Kit">
+            <a:extLst>
+              <a:ext uri="{FF2B5EF4-FFF2-40B4-BE49-F238E27FC236}">
+                <a16:creationId xmlns:a16="http://schemas.microsoft.com/office/drawing/2014/main" id="{02EAE1DA-2A91-41A1-B753-FFB4B16EEBF1}"/>
+              </a:ext>
+            </a:extLst>
+          </p:cNvPr>
+          <p:cNvPicPr>
+            <a:picLocks noChangeAspect="1" noChangeArrowheads="1"/>
+          </p:cNvPicPr>
+          <p:nvPr/>
+        </p:nvPicPr>
+        <p:blipFill>
+          <a:blip r:embed="rId4">
+            <a:extLst>
+              <a:ext uri="{28A0092B-C50C-407E-A947-70E740481C1C}">
+                <a14:useLocalDpi xmlns:a14="http://schemas.microsoft.com/office/drawing/2010/main" val="0"/>
+              </a:ext>
+            </a:extLst>
+          </a:blip>
+          <a:srcRect/>
+          <a:stretch>
+            <a:fillRect/>
+          </a:stretch>
+        </p:blipFill>
+        <p:spPr bwMode="auto">
+          <a:xfrm>
+            <a:off x="1967542" y="5740107"/>
+            <a:ext cx="1460653" cy="797039"/>
+          </a:xfrm>
+          <a:prstGeom prst="rect">
+            <a:avLst/>
+          </a:prstGeom>
+          <a:noFill/>
+          <a:extLst>
+            <a:ext uri="{909E8E84-426E-40DD-AFC4-6F175D3DCCD1}">
+              <a14:hiddenFill xmlns:a14="http://schemas.microsoft.com/office/drawing/2010/main">
+                <a:solidFill>
+                  <a:srgbClr val="FFFFFF"/>
+                </a:solidFill>
+              </a14:hiddenFill>
+            </a:ext>
+          </a:extLst>
+        </p:spPr>
+      </p:pic>
+      <p:pic>
+        <p:nvPicPr>
+          <p:cNvPr id="10" name="Picture 9">
+            <a:extLst>
+              <a:ext uri="{FF2B5EF4-FFF2-40B4-BE49-F238E27FC236}">
+                <a16:creationId xmlns:a16="http://schemas.microsoft.com/office/drawing/2014/main" id="{07D6C9CF-A4E6-47F3-A2D7-7E27211252EB}"/>
+              </a:ext>
+            </a:extLst>
+          </p:cNvPr>
+          <p:cNvPicPr>
+            <a:picLocks noChangeAspect="1"/>
+          </p:cNvPicPr>
+          <p:nvPr/>
+        </p:nvPicPr>
+        <p:blipFill>
+          <a:blip r:embed="rId5"/>
+          <a:stretch>
+            <a:fillRect/>
+          </a:stretch>
+        </p:blipFill>
+        <p:spPr>
+          <a:xfrm>
+            <a:off x="9881945" y="1438576"/>
+            <a:ext cx="1005122" cy="1235210"/>
+          </a:xfrm>
+          <a:prstGeom prst="rect">
+            <a:avLst/>
+          </a:prstGeom>
+        </p:spPr>
+      </p:pic>
+      <p:sp>
+        <p:nvSpPr>
+          <p:cNvPr id="11" name="Cloud 10">
+            <a:extLst>
+              <a:ext uri="{FF2B5EF4-FFF2-40B4-BE49-F238E27FC236}">
+                <a16:creationId xmlns:a16="http://schemas.microsoft.com/office/drawing/2014/main" id="{5DB13D1D-27A8-4FF8-84F0-B5E0F1ED96E5}"/>
+              </a:ext>
+            </a:extLst>
+          </p:cNvPr>
+          <p:cNvSpPr/>
+          <p:nvPr/>
+        </p:nvSpPr>
+        <p:spPr>
+          <a:xfrm>
+            <a:off x="6096000" y="4227444"/>
+            <a:ext cx="2245802" cy="2146731"/>
+          </a:xfrm>
+          <a:prstGeom prst="cloud">
+            <a:avLst/>
+          </a:prstGeom>
+          <a:solidFill>
+            <a:srgbClr val="FF0000"/>
+          </a:solidFill>
+        </p:spPr>
+        <p:style>
+          <a:lnRef idx="2">
+            <a:schemeClr val="accent1">
+              <a:shade val="50000"/>
+            </a:schemeClr>
+          </a:lnRef>
+          <a:fillRef idx="1">
+            <a:schemeClr val="accent1"/>
+          </a:fillRef>
+          <a:effectRef idx="0">
+            <a:schemeClr val="accent1"/>
+          </a:effectRef>
+          <a:fontRef idx="minor">
+            <a:schemeClr val="lt1"/>
+          </a:fontRef>
+        </p:style>
+        <p:txBody>
+          <a:bodyPr rtlCol="0" anchor="ctr"/>
+          <a:lstStyle/>
+          <a:p>
+            <a:pPr algn="ctr"/>
+            <a:r>
+              <a:rPr lang="en-US" sz="3200" dirty="0">
+                <a:solidFill>
+                  <a:schemeClr val="bg1"/>
+                </a:solidFill>
+              </a:rPr>
+              <a:t>Public Internet</a:t>
+            </a:r>
+            <a:endParaRPr lang="en-IN" sz="3200" dirty="0">
+              <a:solidFill>
+                <a:schemeClr val="bg1"/>
+              </a:solidFill>
+            </a:endParaRPr>
+          </a:p>
+        </p:txBody>
+      </p:sp>
+      <p:cxnSp>
+        <p:nvCxnSpPr>
+          <p:cNvPr id="16" name="Straight Arrow Connector 15">
+            <a:extLst>
+              <a:ext uri="{FF2B5EF4-FFF2-40B4-BE49-F238E27FC236}">
+                <a16:creationId xmlns:a16="http://schemas.microsoft.com/office/drawing/2014/main" id="{58C43CE5-15CC-4563-9AA8-7094FF990D42}"/>
+              </a:ext>
+            </a:extLst>
+          </p:cNvPr>
+          <p:cNvCxnSpPr/>
+          <p:nvPr/>
+        </p:nvCxnSpPr>
+        <p:spPr>
+          <a:xfrm flipH="1">
+            <a:off x="8060788" y="2673786"/>
+            <a:ext cx="1097280" cy="1448048"/>
+          </a:xfrm>
+          <a:prstGeom prst="straightConnector1">
+            <a:avLst/>
+          </a:prstGeom>
+          <a:ln w="82550">
+            <a:headEnd type="triangle"/>
+            <a:tailEnd type="triangle"/>
+          </a:ln>
+        </p:spPr>
+        <p:style>
+          <a:lnRef idx="1">
+            <a:schemeClr val="accent1"/>
+          </a:lnRef>
+          <a:fillRef idx="0">
+            <a:schemeClr val="accent1"/>
+          </a:fillRef>
+          <a:effectRef idx="0">
+            <a:schemeClr val="accent1"/>
+          </a:effectRef>
+          <a:fontRef idx="minor">
+            <a:schemeClr val="tx1"/>
+          </a:fontRef>
+        </p:style>
+      </p:cxnSp>
+      <p:cxnSp>
+        <p:nvCxnSpPr>
+          <p:cNvPr id="17" name="Straight Arrow Connector 16">
+            <a:extLst>
+              <a:ext uri="{FF2B5EF4-FFF2-40B4-BE49-F238E27FC236}">
+                <a16:creationId xmlns:a16="http://schemas.microsoft.com/office/drawing/2014/main" id="{86D3C6C7-7E23-491D-93AF-4E6E2BCB142D}"/>
+              </a:ext>
+            </a:extLst>
+          </p:cNvPr>
+          <p:cNvCxnSpPr>
+            <a:cxnSpLocks/>
+          </p:cNvCxnSpPr>
+          <p:nvPr/>
+        </p:nvCxnSpPr>
+        <p:spPr>
+          <a:xfrm flipH="1" flipV="1">
+            <a:off x="5134594" y="3553221"/>
+            <a:ext cx="1174957" cy="924134"/>
+          </a:xfrm>
+          <a:prstGeom prst="straightConnector1">
+            <a:avLst/>
+          </a:prstGeom>
+          <a:ln w="73025">
+            <a:headEnd type="triangle"/>
+            <a:tailEnd type="triangle"/>
+          </a:ln>
+        </p:spPr>
+        <p:style>
+          <a:lnRef idx="1">
+            <a:schemeClr val="accent1"/>
+          </a:lnRef>
+          <a:fillRef idx="0">
+            <a:schemeClr val="accent1"/>
+          </a:fillRef>
+          <a:effectRef idx="0">
+            <a:schemeClr val="accent1"/>
+          </a:effectRef>
+          <a:fontRef idx="minor">
+            <a:schemeClr val="tx1"/>
+          </a:fontRef>
+        </p:style>
+      </p:cxnSp>
     </p:spTree>
     <p:extLst>
       <p:ext uri="{BB962C8B-B14F-4D97-AF65-F5344CB8AC3E}">
@@ -17725,20 +18161,6 @@
 <file path=ppt/slides/slide25.xml><?xml version="1.0" encoding="utf-8"?>
 <p:sld xmlns:a="http://schemas.openxmlformats.org/drawingml/2006/main" xmlns:r="http://schemas.openxmlformats.org/officeDocument/2006/relationships" xmlns:p="http://schemas.openxmlformats.org/presentationml/2006/main">
   <p:cSld>
-    <p:bg>
-      <p:bgPr>
-        <a:blipFill dpi="0" rotWithShape="1">
-          <a:blip r:embed="rId2">
-            <a:lum/>
-          </a:blip>
-          <a:srcRect/>
-          <a:stretch>
-            <a:fillRect t="-17000" b="-17000"/>
-          </a:stretch>
-        </a:blipFill>
-        <a:effectLst/>
-      </p:bgPr>
-    </p:bg>
     <p:spTree>
       <p:nvGrpSpPr>
         <p:cNvPr id="1" name=""/>
@@ -17755,50 +18177,78 @@
       </p:grpSpPr>
       <p:sp>
         <p:nvSpPr>
-          <p:cNvPr id="2" name="Title 1">
+          <p:cNvPr id="5" name="TextBox 4">
             <a:extLst>
               <a:ext uri="{FF2B5EF4-FFF2-40B4-BE49-F238E27FC236}">
-                <a16:creationId xmlns:a16="http://schemas.microsoft.com/office/drawing/2014/main" id="{4DFE094E-FA99-47C1-BE08-15D39E6ED601}"/>
+                <a16:creationId xmlns:a16="http://schemas.microsoft.com/office/drawing/2014/main" id="{48941B2F-1983-441F-A0D9-E4AB5E1BC753}"/>
               </a:ext>
             </a:extLst>
           </p:cNvPr>
-          <p:cNvSpPr>
-            <a:spLocks noGrp="1"/>
-          </p:cNvSpPr>
-          <p:nvPr>
-            <p:ph type="title"/>
-          </p:nvPr>
+          <p:cNvSpPr txBox="1"/>
+          <p:nvPr/>
         </p:nvSpPr>
         <p:spPr>
           <a:xfrm>
-            <a:off x="3421967" y="1181225"/>
-            <a:ext cx="9905998" cy="1478570"/>
+            <a:off x="1308295" y="1955410"/>
+            <a:ext cx="9706708" cy="2554545"/>
           </a:xfrm>
+          <a:prstGeom prst="rect">
+            <a:avLst/>
+          </a:prstGeom>
+          <a:noFill/>
         </p:spPr>
         <p:txBody>
-          <a:bodyPr/>
+          <a:bodyPr wrap="square" rtlCol="0">
+            <a:spAutoFit/>
+          </a:bodyPr>
           <a:lstStyle/>
           <a:p>
-            <a:r>
-              <a:rPr lang="en-US" dirty="0">
-                <a:solidFill>
-                  <a:srgbClr val="FFFF00"/>
-                </a:solidFill>
-              </a:rPr>
-              <a:t>Dilemma of a modern day farmer </a:t>
-            </a:r>
-            <a:endParaRPr lang="en-IN" dirty="0">
-              <a:solidFill>
-                <a:srgbClr val="FFFF00"/>
-              </a:solidFill>
-            </a:endParaRPr>
+            <a:pPr marL="457200" indent="-457200">
+              <a:buFont typeface="Wingdings" panose="05000000000000000000" pitchFamily="2" charset="2"/>
+              <a:buChar char="Ø"/>
+            </a:pPr>
+            <a:r>
+              <a:rPr lang="en-US" sz="3200" dirty="0"/>
+              <a:t>Run a WEB SERVER in the ESP32 Board</a:t>
+            </a:r>
+          </a:p>
+          <a:p>
+            <a:pPr marL="457200" indent="-457200">
+              <a:buFont typeface="Wingdings" panose="05000000000000000000" pitchFamily="2" charset="2"/>
+              <a:buChar char="Ø"/>
+            </a:pPr>
+            <a:r>
+              <a:rPr lang="en-US" sz="3200" dirty="0"/>
+              <a:t>Access the web server from home through a mobile/laptop</a:t>
+            </a:r>
+          </a:p>
+          <a:p>
+            <a:pPr marL="457200" indent="-457200">
+              <a:buFont typeface="Wingdings" panose="05000000000000000000" pitchFamily="2" charset="2"/>
+              <a:buChar char="Ø"/>
+            </a:pPr>
+            <a:r>
+              <a:rPr lang="en-US" sz="3200" dirty="0"/>
+              <a:t>Web server has direct access to GPIO ports on ESP32</a:t>
+            </a:r>
+          </a:p>
+          <a:p>
+            <a:pPr marL="457200" indent="-457200">
+              <a:buFont typeface="Wingdings" panose="05000000000000000000" pitchFamily="2" charset="2"/>
+              <a:buChar char="Ø"/>
+            </a:pPr>
+            <a:r>
+              <a:rPr lang="en-US" sz="3200" dirty="0"/>
+              <a:t>Now by using WEB, we control the Pump set</a:t>
+            </a:r>
+            <a:endParaRPr lang="en-IN" sz="3200" dirty="0"/>
           </a:p>
         </p:txBody>
       </p:sp>
     </p:spTree>
     <p:extLst>
       <p:ext uri="{BB962C8B-B14F-4D97-AF65-F5344CB8AC3E}">
-        <p14:creationId xmlns:p14="http://schemas.microsoft.com/office/powerpoint/2010/main" val="1212278259"/>
+        <p14:creationId xmlns:p14="http://schemas.microsoft.com/office/powerpoint/2010/main" val="3657507415"/>
       </p:ext>
     </p:extLst>
   </p:cSld>
@@ -17830,7 +18280,7 @@
           <p:cNvPr id="2" name="Title 1">
             <a:extLst>
               <a:ext uri="{FF2B5EF4-FFF2-40B4-BE49-F238E27FC236}">
-                <a16:creationId xmlns:a16="http://schemas.microsoft.com/office/drawing/2014/main" id="{9EB701D8-178A-42BA-920F-0B258846E61E}"/>
+                <a16:creationId xmlns:a16="http://schemas.microsoft.com/office/drawing/2014/main" id="{4F1735C2-36A5-4BD0-B700-7AAFCD793663}"/>
               </a:ext>
             </a:extLst>
           </p:cNvPr>
@@ -17843,8 +18293,8 @@
         </p:nvSpPr>
         <p:spPr>
           <a:xfrm>
-            <a:off x="1432960" y="2791874"/>
-            <a:ext cx="9905998" cy="1478570"/>
+            <a:off x="1141413" y="618518"/>
+            <a:ext cx="9905998" cy="774184"/>
           </a:xfrm>
         </p:spPr>
         <p:txBody>
@@ -17852,20 +18302,626 @@
           <a:lstStyle/>
           <a:p>
             <a:r>
-              <a:rPr lang="en-IN" sz="3600" dirty="0"/>
-              <a:t>Introduction to Security in IoT</a:t>
-            </a:r>
-            <a:br>
-              <a:rPr lang="en-IN" sz="3600" dirty="0"/>
-            </a:br>
+              <a:rPr lang="en-US" dirty="0"/>
+              <a:t>Challenges </a:t>
+            </a:r>
             <a:endParaRPr lang="en-IN" dirty="0"/>
+          </a:p>
+        </p:txBody>
+      </p:sp>
+      <p:sp>
+        <p:nvSpPr>
+          <p:cNvPr id="3" name="Cloud 2">
+            <a:extLst>
+              <a:ext uri="{FF2B5EF4-FFF2-40B4-BE49-F238E27FC236}">
+                <a16:creationId xmlns:a16="http://schemas.microsoft.com/office/drawing/2014/main" id="{754FD492-DE25-47EA-AEDD-3BE1C7C83453}"/>
+              </a:ext>
+            </a:extLst>
+          </p:cNvPr>
+          <p:cNvSpPr/>
+          <p:nvPr/>
+        </p:nvSpPr>
+        <p:spPr>
+          <a:xfrm>
+            <a:off x="2407505" y="1202789"/>
+            <a:ext cx="2642796" cy="1871003"/>
+          </a:xfrm>
+          <a:prstGeom prst="cloud">
+            <a:avLst/>
+          </a:prstGeom>
+          <a:solidFill>
+            <a:srgbClr val="92D050"/>
+          </a:solidFill>
+        </p:spPr>
+        <p:style>
+          <a:lnRef idx="2">
+            <a:schemeClr val="accent1">
+              <a:shade val="50000"/>
+            </a:schemeClr>
+          </a:lnRef>
+          <a:fillRef idx="1">
+            <a:schemeClr val="accent1"/>
+          </a:fillRef>
+          <a:effectRef idx="0">
+            <a:schemeClr val="accent1"/>
+          </a:effectRef>
+          <a:fontRef idx="minor">
+            <a:schemeClr val="lt1"/>
+          </a:fontRef>
+        </p:style>
+        <p:txBody>
+          <a:bodyPr rtlCol="0" anchor="ctr"/>
+          <a:lstStyle/>
+          <a:p>
+            <a:pPr algn="ctr"/>
+            <a:r>
+              <a:rPr lang="en-US" dirty="0"/>
+              <a:t>Farm Network</a:t>
+            </a:r>
+          </a:p>
+          <a:p>
+            <a:pPr algn="ctr"/>
+            <a:r>
+              <a:rPr lang="en-US" dirty="0"/>
+              <a:t>(</a:t>
+            </a:r>
+            <a:r>
+              <a:rPr lang="en-US" dirty="0" err="1"/>
+              <a:t>wifi</a:t>
+            </a:r>
+            <a:r>
+              <a:rPr lang="en-US" dirty="0"/>
+              <a:t> at Farm)</a:t>
+            </a:r>
+            <a:endParaRPr lang="en-IN" dirty="0"/>
+          </a:p>
+        </p:txBody>
+      </p:sp>
+      <p:sp>
+        <p:nvSpPr>
+          <p:cNvPr id="5" name="Cloud 4">
+            <a:extLst>
+              <a:ext uri="{FF2B5EF4-FFF2-40B4-BE49-F238E27FC236}">
+                <a16:creationId xmlns:a16="http://schemas.microsoft.com/office/drawing/2014/main" id="{1FEC925D-C932-4398-B94A-4D8F2902017E}"/>
+              </a:ext>
+            </a:extLst>
+          </p:cNvPr>
+          <p:cNvSpPr/>
+          <p:nvPr/>
+        </p:nvSpPr>
+        <p:spPr>
+          <a:xfrm>
+            <a:off x="9157653" y="1392702"/>
+            <a:ext cx="2642796" cy="1871003"/>
+          </a:xfrm>
+          <a:prstGeom prst="cloud">
+            <a:avLst/>
+          </a:prstGeom>
+          <a:solidFill>
+            <a:schemeClr val="accent5">
+              <a:lumMod val="40000"/>
+              <a:lumOff val="60000"/>
+            </a:schemeClr>
+          </a:solidFill>
+        </p:spPr>
+        <p:style>
+          <a:lnRef idx="2">
+            <a:schemeClr val="accent1">
+              <a:shade val="50000"/>
+            </a:schemeClr>
+          </a:lnRef>
+          <a:fillRef idx="1">
+            <a:schemeClr val="accent1"/>
+          </a:fillRef>
+          <a:effectRef idx="0">
+            <a:schemeClr val="accent1"/>
+          </a:effectRef>
+          <a:fontRef idx="minor">
+            <a:schemeClr val="lt1"/>
+          </a:fontRef>
+        </p:style>
+        <p:txBody>
+          <a:bodyPr rtlCol="0" anchor="ctr"/>
+          <a:lstStyle/>
+          <a:p>
+            <a:pPr algn="ctr"/>
+            <a:r>
+              <a:rPr lang="en-US" dirty="0"/>
+              <a:t>Home network</a:t>
+            </a:r>
+          </a:p>
+          <a:p>
+            <a:pPr algn="ctr"/>
+            <a:r>
+              <a:rPr lang="en-US" dirty="0"/>
+              <a:t>(</a:t>
+            </a:r>
+            <a:r>
+              <a:rPr lang="en-US" dirty="0" err="1"/>
+              <a:t>Wifi</a:t>
+            </a:r>
+            <a:r>
+              <a:rPr lang="en-US" dirty="0"/>
+              <a:t> at home)</a:t>
+            </a:r>
+            <a:endParaRPr lang="en-IN" dirty="0"/>
+          </a:p>
+        </p:txBody>
+      </p:sp>
+      <p:sp>
+        <p:nvSpPr>
+          <p:cNvPr id="7" name="Oval 6">
+            <a:extLst>
+              <a:ext uri="{FF2B5EF4-FFF2-40B4-BE49-F238E27FC236}">
+                <a16:creationId xmlns:a16="http://schemas.microsoft.com/office/drawing/2014/main" id="{8A1A4FA0-BEFF-4D7B-A2CD-71AEDB7A14A8}"/>
+              </a:ext>
+            </a:extLst>
+          </p:cNvPr>
+          <p:cNvSpPr/>
+          <p:nvPr/>
+        </p:nvSpPr>
+        <p:spPr>
+          <a:xfrm>
+            <a:off x="872196" y="2883878"/>
+            <a:ext cx="1702191" cy="3712238"/>
+          </a:xfrm>
+          <a:prstGeom prst="ellipse">
+            <a:avLst/>
+          </a:prstGeom>
+          <a:solidFill>
+            <a:srgbClr val="92D050"/>
+          </a:solidFill>
+        </p:spPr>
+        <p:style>
+          <a:lnRef idx="2">
+            <a:schemeClr val="accent1">
+              <a:shade val="50000"/>
+            </a:schemeClr>
+          </a:lnRef>
+          <a:fillRef idx="1">
+            <a:schemeClr val="accent1"/>
+          </a:fillRef>
+          <a:effectRef idx="0">
+            <a:schemeClr val="accent1"/>
+          </a:effectRef>
+          <a:fontRef idx="minor">
+            <a:schemeClr val="lt1"/>
+          </a:fontRef>
+        </p:style>
+        <p:txBody>
+          <a:bodyPr rtlCol="0" anchor="ctr"/>
+          <a:lstStyle/>
+          <a:p>
+            <a:pPr algn="ctr"/>
+            <a:endParaRPr lang="en-IN"/>
+          </a:p>
+        </p:txBody>
+      </p:sp>
+      <p:pic>
+        <p:nvPicPr>
+          <p:cNvPr id="9" name="Picture 2" descr="Agricultural Pump - Agriculture Pump Latest Price, Manufacturers ...">
+            <a:extLst>
+              <a:ext uri="{FF2B5EF4-FFF2-40B4-BE49-F238E27FC236}">
+                <a16:creationId xmlns:a16="http://schemas.microsoft.com/office/drawing/2014/main" id="{2D0C6C49-7A24-4C65-BD34-133FA8BD063D}"/>
+              </a:ext>
+            </a:extLst>
+          </p:cNvPr>
+          <p:cNvPicPr>
+            <a:picLocks noChangeAspect="1" noChangeArrowheads="1"/>
+          </p:cNvPicPr>
+          <p:nvPr/>
+        </p:nvPicPr>
+        <p:blipFill>
+          <a:blip r:embed="rId2">
+            <a:extLst>
+              <a:ext uri="{28A0092B-C50C-407E-A947-70E740481C1C}">
+                <a14:useLocalDpi xmlns:a14="http://schemas.microsoft.com/office/drawing/2010/main" val="0"/>
+              </a:ext>
+            </a:extLst>
+          </a:blip>
+          <a:srcRect/>
+          <a:stretch>
+            <a:fillRect/>
+          </a:stretch>
+        </p:blipFill>
+        <p:spPr bwMode="auto">
+          <a:xfrm>
+            <a:off x="1336199" y="3263705"/>
+            <a:ext cx="774184" cy="774184"/>
+          </a:xfrm>
+          <a:prstGeom prst="rect">
+            <a:avLst/>
+          </a:prstGeom>
+          <a:noFill/>
+          <a:extLst>
+            <a:ext uri="{909E8E84-426E-40DD-AFC4-6F175D3DCCD1}">
+              <a14:hiddenFill xmlns:a14="http://schemas.microsoft.com/office/drawing/2010/main">
+                <a:solidFill>
+                  <a:srgbClr val="FFFFFF"/>
+                </a:solidFill>
+              </a14:hiddenFill>
+            </a:ext>
+          </a:extLst>
+        </p:spPr>
+      </p:pic>
+      <p:pic>
+        <p:nvPicPr>
+          <p:cNvPr id="17" name="Picture 6" descr="Electromagnetic Relay |HUIMULTD">
+            <a:extLst>
+              <a:ext uri="{FF2B5EF4-FFF2-40B4-BE49-F238E27FC236}">
+                <a16:creationId xmlns:a16="http://schemas.microsoft.com/office/drawing/2014/main" id="{7A6A3DCB-9C02-49B8-8C33-C31FD3A0BE6B}"/>
+              </a:ext>
+            </a:extLst>
+          </p:cNvPr>
+          <p:cNvPicPr>
+            <a:picLocks noChangeAspect="1" noChangeArrowheads="1"/>
+          </p:cNvPicPr>
+          <p:nvPr/>
+        </p:nvPicPr>
+        <p:blipFill>
+          <a:blip r:embed="rId3">
+            <a:extLst>
+              <a:ext uri="{28A0092B-C50C-407E-A947-70E740481C1C}">
+                <a14:useLocalDpi xmlns:a14="http://schemas.microsoft.com/office/drawing/2010/main" val="0"/>
+              </a:ext>
+            </a:extLst>
+          </a:blip>
+          <a:srcRect/>
+          <a:stretch>
+            <a:fillRect/>
+          </a:stretch>
+        </p:blipFill>
+        <p:spPr bwMode="auto">
+          <a:xfrm>
+            <a:off x="1336199" y="4100648"/>
+            <a:ext cx="845455" cy="845455"/>
+          </a:xfrm>
+          <a:prstGeom prst="rect">
+            <a:avLst/>
+          </a:prstGeom>
+          <a:noFill/>
+          <a:extLst>
+            <a:ext uri="{909E8E84-426E-40DD-AFC4-6F175D3DCCD1}">
+              <a14:hiddenFill xmlns:a14="http://schemas.microsoft.com/office/drawing/2010/main">
+                <a:solidFill>
+                  <a:srgbClr val="FFFFFF"/>
+                </a:solidFill>
+              </a14:hiddenFill>
+            </a:ext>
+          </a:extLst>
+        </p:spPr>
+      </p:pic>
+      <p:pic>
+        <p:nvPicPr>
+          <p:cNvPr id="19" name="Picture 2" descr="centiot ESP-WROOM-32 ESP32 ESP-32S Development Board Micro Controller Board Electronic Hobby Kit">
+            <a:extLst>
+              <a:ext uri="{FF2B5EF4-FFF2-40B4-BE49-F238E27FC236}">
+                <a16:creationId xmlns:a16="http://schemas.microsoft.com/office/drawing/2014/main" id="{197C296A-C1D1-466A-9392-35F9FB118C06}"/>
+              </a:ext>
+            </a:extLst>
+          </p:cNvPr>
+          <p:cNvPicPr>
+            <a:picLocks noChangeAspect="1" noChangeArrowheads="1"/>
+          </p:cNvPicPr>
+          <p:nvPr/>
+        </p:nvPicPr>
+        <p:blipFill>
+          <a:blip r:embed="rId4">
+            <a:extLst>
+              <a:ext uri="{28A0092B-C50C-407E-A947-70E740481C1C}">
+                <a14:useLocalDpi xmlns:a14="http://schemas.microsoft.com/office/drawing/2010/main" val="0"/>
+              </a:ext>
+            </a:extLst>
+          </a:blip>
+          <a:srcRect/>
+          <a:stretch>
+            <a:fillRect/>
+          </a:stretch>
+        </p:blipFill>
+        <p:spPr bwMode="auto">
+          <a:xfrm>
+            <a:off x="1256985" y="5223318"/>
+            <a:ext cx="1003882" cy="547791"/>
+          </a:xfrm>
+          <a:prstGeom prst="rect">
+            <a:avLst/>
+          </a:prstGeom>
+          <a:noFill/>
+          <a:extLst>
+            <a:ext uri="{909E8E84-426E-40DD-AFC4-6F175D3DCCD1}">
+              <a14:hiddenFill xmlns:a14="http://schemas.microsoft.com/office/drawing/2010/main">
+                <a:solidFill>
+                  <a:srgbClr val="FFFFFF"/>
+                </a:solidFill>
+              </a14:hiddenFill>
+            </a:ext>
+          </a:extLst>
+        </p:spPr>
+      </p:pic>
+      <p:sp>
+        <p:nvSpPr>
+          <p:cNvPr id="21" name="Oval 20">
+            <a:extLst>
+              <a:ext uri="{FF2B5EF4-FFF2-40B4-BE49-F238E27FC236}">
+                <a16:creationId xmlns:a16="http://schemas.microsoft.com/office/drawing/2014/main" id="{15472662-3220-47E5-B771-154E1B830B64}"/>
+              </a:ext>
+            </a:extLst>
+          </p:cNvPr>
+          <p:cNvSpPr/>
+          <p:nvPr/>
+        </p:nvSpPr>
+        <p:spPr>
+          <a:xfrm>
+            <a:off x="8278905" y="4038028"/>
+            <a:ext cx="3521544" cy="1816150"/>
+          </a:xfrm>
+          <a:prstGeom prst="ellipse">
+            <a:avLst/>
+          </a:prstGeom>
+          <a:solidFill>
+            <a:schemeClr val="accent5">
+              <a:lumMod val="40000"/>
+              <a:lumOff val="60000"/>
+            </a:schemeClr>
+          </a:solidFill>
+        </p:spPr>
+        <p:style>
+          <a:lnRef idx="2">
+            <a:schemeClr val="accent1">
+              <a:shade val="50000"/>
+            </a:schemeClr>
+          </a:lnRef>
+          <a:fillRef idx="1">
+            <a:schemeClr val="accent1"/>
+          </a:fillRef>
+          <a:effectRef idx="0">
+            <a:schemeClr val="accent1"/>
+          </a:effectRef>
+          <a:fontRef idx="minor">
+            <a:schemeClr val="lt1"/>
+          </a:fontRef>
+        </p:style>
+        <p:txBody>
+          <a:bodyPr rtlCol="0" anchor="ctr"/>
+          <a:lstStyle/>
+          <a:p>
+            <a:pPr algn="ctr"/>
+            <a:endParaRPr lang="en-IN"/>
+          </a:p>
+        </p:txBody>
+      </p:sp>
+      <p:pic>
+        <p:nvPicPr>
+          <p:cNvPr id="23" name="Picture 22">
+            <a:extLst>
+              <a:ext uri="{FF2B5EF4-FFF2-40B4-BE49-F238E27FC236}">
+                <a16:creationId xmlns:a16="http://schemas.microsoft.com/office/drawing/2014/main" id="{7AB61606-6DFF-4A8F-ADF9-7AE607E3BAD0}"/>
+              </a:ext>
+            </a:extLst>
+          </p:cNvPr>
+          <p:cNvPicPr>
+            <a:picLocks noChangeAspect="1"/>
+          </p:cNvPicPr>
+          <p:nvPr/>
+        </p:nvPicPr>
+        <p:blipFill>
+          <a:blip r:embed="rId5"/>
+          <a:stretch>
+            <a:fillRect/>
+          </a:stretch>
+        </p:blipFill>
+        <p:spPr>
+          <a:xfrm>
+            <a:off x="9557400" y="4443537"/>
+            <a:ext cx="1005122" cy="1235210"/>
+          </a:xfrm>
+          <a:prstGeom prst="rect">
+            <a:avLst/>
+          </a:prstGeom>
+        </p:spPr>
+      </p:pic>
+      <p:cxnSp>
+        <p:nvCxnSpPr>
+          <p:cNvPr id="26" name="Straight Arrow Connector 25">
+            <a:extLst>
+              <a:ext uri="{FF2B5EF4-FFF2-40B4-BE49-F238E27FC236}">
+                <a16:creationId xmlns:a16="http://schemas.microsoft.com/office/drawing/2014/main" id="{E25E5B07-3226-42AD-93B0-C814BD50E8E9}"/>
+              </a:ext>
+            </a:extLst>
+          </p:cNvPr>
+          <p:cNvCxnSpPr>
+            <a:cxnSpLocks/>
+          </p:cNvCxnSpPr>
+          <p:nvPr/>
+        </p:nvCxnSpPr>
+        <p:spPr>
+          <a:xfrm flipH="1" flipV="1">
+            <a:off x="4759799" y="2611725"/>
+            <a:ext cx="1174957" cy="924134"/>
+          </a:xfrm>
+          <a:prstGeom prst="straightConnector1">
+            <a:avLst/>
+          </a:prstGeom>
+          <a:ln w="73025">
+            <a:headEnd type="triangle"/>
+            <a:tailEnd type="triangle"/>
+          </a:ln>
+        </p:spPr>
+        <p:style>
+          <a:lnRef idx="1">
+            <a:schemeClr val="accent1"/>
+          </a:lnRef>
+          <a:fillRef idx="0">
+            <a:schemeClr val="accent1"/>
+          </a:fillRef>
+          <a:effectRef idx="0">
+            <a:schemeClr val="accent1"/>
+          </a:effectRef>
+          <a:fontRef idx="minor">
+            <a:schemeClr val="tx1"/>
+          </a:fontRef>
+        </p:style>
+      </p:cxnSp>
+      <p:cxnSp>
+        <p:nvCxnSpPr>
+          <p:cNvPr id="27" name="Straight Arrow Connector 26">
+            <a:extLst>
+              <a:ext uri="{FF2B5EF4-FFF2-40B4-BE49-F238E27FC236}">
+                <a16:creationId xmlns:a16="http://schemas.microsoft.com/office/drawing/2014/main" id="{AFEF9E60-6E94-4FB4-A479-992E82122D1C}"/>
+              </a:ext>
+            </a:extLst>
+          </p:cNvPr>
+          <p:cNvCxnSpPr>
+            <a:cxnSpLocks/>
+          </p:cNvCxnSpPr>
+          <p:nvPr/>
+        </p:nvCxnSpPr>
+        <p:spPr>
+          <a:xfrm flipH="1">
+            <a:off x="7610622" y="2883422"/>
+            <a:ext cx="1576792" cy="1217226"/>
+          </a:xfrm>
+          <a:prstGeom prst="straightConnector1">
+            <a:avLst/>
+          </a:prstGeom>
+          <a:ln w="73025">
+            <a:headEnd type="triangle"/>
+            <a:tailEnd type="triangle"/>
+          </a:ln>
+        </p:spPr>
+        <p:style>
+          <a:lnRef idx="1">
+            <a:schemeClr val="accent1"/>
+          </a:lnRef>
+          <a:fillRef idx="0">
+            <a:schemeClr val="accent1"/>
+          </a:fillRef>
+          <a:effectRef idx="0">
+            <a:schemeClr val="accent1"/>
+          </a:effectRef>
+          <a:fontRef idx="minor">
+            <a:schemeClr val="tx1"/>
+          </a:fontRef>
+        </p:style>
+      </p:cxnSp>
+      <p:cxnSp>
+        <p:nvCxnSpPr>
+          <p:cNvPr id="29" name="Straight Arrow Connector 28">
+            <a:extLst>
+              <a:ext uri="{FF2B5EF4-FFF2-40B4-BE49-F238E27FC236}">
+                <a16:creationId xmlns:a16="http://schemas.microsoft.com/office/drawing/2014/main" id="{31B2ADFD-B116-4C09-AAA9-74224712582E}"/>
+              </a:ext>
+            </a:extLst>
+          </p:cNvPr>
+          <p:cNvCxnSpPr>
+            <a:cxnSpLocks/>
+          </p:cNvCxnSpPr>
+          <p:nvPr/>
+        </p:nvCxnSpPr>
+        <p:spPr>
+          <a:xfrm flipH="1">
+            <a:off x="2698519" y="3073792"/>
+            <a:ext cx="527266" cy="995705"/>
+          </a:xfrm>
+          <a:prstGeom prst="straightConnector1">
+            <a:avLst/>
+          </a:prstGeom>
+          <a:ln w="73025">
+            <a:headEnd type="triangle"/>
+            <a:tailEnd type="triangle"/>
+          </a:ln>
+        </p:spPr>
+        <p:style>
+          <a:lnRef idx="1">
+            <a:schemeClr val="accent1"/>
+          </a:lnRef>
+          <a:fillRef idx="0">
+            <a:schemeClr val="accent1"/>
+          </a:fillRef>
+          <a:effectRef idx="0">
+            <a:schemeClr val="accent1"/>
+          </a:effectRef>
+          <a:fontRef idx="minor">
+            <a:schemeClr val="tx1"/>
+          </a:fontRef>
+        </p:style>
+      </p:cxnSp>
+      <p:sp>
+        <p:nvSpPr>
+          <p:cNvPr id="32" name="Cloud 31">
+            <a:extLst>
+              <a:ext uri="{FF2B5EF4-FFF2-40B4-BE49-F238E27FC236}">
+                <a16:creationId xmlns:a16="http://schemas.microsoft.com/office/drawing/2014/main" id="{4AA1DC23-BCB1-4CA0-AFFF-F2984FC6DA25}"/>
+              </a:ext>
+            </a:extLst>
+          </p:cNvPr>
+          <p:cNvSpPr/>
+          <p:nvPr/>
+        </p:nvSpPr>
+        <p:spPr>
+          <a:xfrm>
+            <a:off x="5347277" y="3681516"/>
+            <a:ext cx="2245802" cy="2146731"/>
+          </a:xfrm>
+          <a:prstGeom prst="cloud">
+            <a:avLst/>
+          </a:prstGeom>
+          <a:solidFill>
+            <a:srgbClr val="FF0000"/>
+          </a:solidFill>
+        </p:spPr>
+        <p:style>
+          <a:lnRef idx="2">
+            <a:schemeClr val="accent1">
+              <a:shade val="50000"/>
+            </a:schemeClr>
+          </a:lnRef>
+          <a:fillRef idx="1">
+            <a:schemeClr val="accent1"/>
+          </a:fillRef>
+          <a:effectRef idx="0">
+            <a:schemeClr val="accent1"/>
+          </a:effectRef>
+          <a:fontRef idx="minor">
+            <a:schemeClr val="lt1"/>
+          </a:fontRef>
+        </p:style>
+        <p:txBody>
+          <a:bodyPr rtlCol="0" anchor="ctr"/>
+          <a:lstStyle/>
+          <a:p>
+            <a:pPr algn="ctr"/>
+            <a:r>
+              <a:rPr lang="en-US" sz="3200" dirty="0">
+                <a:solidFill>
+                  <a:schemeClr val="bg1"/>
+                </a:solidFill>
+              </a:rPr>
+              <a:t>Public </a:t>
+            </a:r>
+          </a:p>
+          <a:p>
+            <a:pPr algn="ctr"/>
+            <a:r>
+              <a:rPr lang="en-US" sz="3200" dirty="0">
+                <a:solidFill>
+                  <a:schemeClr val="bg1"/>
+                </a:solidFill>
+              </a:rPr>
+              <a:t>Internet</a:t>
+            </a:r>
+            <a:endParaRPr lang="en-IN" sz="3200" dirty="0">
+              <a:solidFill>
+                <a:schemeClr val="bg1"/>
+              </a:solidFill>
+            </a:endParaRPr>
           </a:p>
         </p:txBody>
       </p:sp>
     </p:spTree>
     <p:extLst>
       <p:ext uri="{BB962C8B-B14F-4D97-AF65-F5344CB8AC3E}">
-        <p14:creationId xmlns:p14="http://schemas.microsoft.com/office/powerpoint/2010/main" val="3152279978"/>
+        <p14:creationId xmlns:p14="http://schemas.microsoft.com/office/powerpoint/2010/main" val="41754605"/>
       </p:ext>
     </p:extLst>
   </p:cSld>
@@ -17897,7 +18953,7 @@
           <p:cNvPr id="2" name="Title 1">
             <a:extLst>
               <a:ext uri="{FF2B5EF4-FFF2-40B4-BE49-F238E27FC236}">
-                <a16:creationId xmlns:a16="http://schemas.microsoft.com/office/drawing/2014/main" id="{B43C4181-D837-409C-B644-DA121465E118}"/>
+                <a16:creationId xmlns:a16="http://schemas.microsoft.com/office/drawing/2014/main" id="{F2BE1C59-BF26-4485-B0CE-64E9FA093E86}"/>
               </a:ext>
             </a:extLst>
           </p:cNvPr>
@@ -17908,28 +18964,123 @@
             <p:ph type="title"/>
           </p:nvPr>
         </p:nvSpPr>
-        <p:spPr>
-          <a:xfrm>
-            <a:off x="1143001" y="220952"/>
-            <a:ext cx="9905998" cy="984995"/>
-          </a:xfrm>
-        </p:spPr>
+        <p:spPr/>
         <p:txBody>
           <a:bodyPr/>
           <a:lstStyle/>
           <a:p>
             <a:r>
               <a:rPr lang="en-US" dirty="0"/>
-              <a:t>Why do we need security in IOT</a:t>
+              <a:t>Challenges-2</a:t>
             </a:r>
             <a:endParaRPr lang="en-IN" dirty="0"/>
+          </a:p>
+        </p:txBody>
+      </p:sp>
+      <p:sp>
+        <p:nvSpPr>
+          <p:cNvPr id="3" name="TextBox 2">
+            <a:extLst>
+              <a:ext uri="{FF2B5EF4-FFF2-40B4-BE49-F238E27FC236}">
+                <a16:creationId xmlns:a16="http://schemas.microsoft.com/office/drawing/2014/main" id="{CCD064E4-3E3B-4364-9748-4BA8BA23DB53}"/>
+              </a:ext>
+            </a:extLst>
+          </p:cNvPr>
+          <p:cNvSpPr txBox="1"/>
+          <p:nvPr/>
+        </p:nvSpPr>
+        <p:spPr>
+          <a:xfrm>
+            <a:off x="1141413" y="2236763"/>
+            <a:ext cx="9381221" cy="3108543"/>
+          </a:xfrm>
+          <a:prstGeom prst="rect">
+            <a:avLst/>
+          </a:prstGeom>
+          <a:noFill/>
+        </p:spPr>
+        <p:txBody>
+          <a:bodyPr wrap="square" rtlCol="0">
+            <a:spAutoFit/>
+          </a:bodyPr>
+          <a:lstStyle/>
+          <a:p>
+            <a:pPr marL="285750" indent="-285750">
+              <a:buFont typeface="Arial" panose="020B0604020202020204" pitchFamily="34" charset="0"/>
+              <a:buChar char="•"/>
+            </a:pPr>
+            <a:r>
+              <a:rPr lang="en-US" sz="2800" dirty="0"/>
+              <a:t>Two separate networks</a:t>
+            </a:r>
+          </a:p>
+          <a:p>
+            <a:pPr marL="285750" indent="-285750">
+              <a:buFont typeface="Arial" panose="020B0604020202020204" pitchFamily="34" charset="0"/>
+              <a:buChar char="•"/>
+            </a:pPr>
+            <a:r>
+              <a:rPr lang="en-US" sz="2800" dirty="0"/>
+              <a:t>The user does not know what is the happening in the farm</a:t>
+            </a:r>
+          </a:p>
+          <a:p>
+            <a:pPr marL="285750" indent="-285750">
+              <a:buFont typeface="Arial" panose="020B0604020202020204" pitchFamily="34" charset="0"/>
+              <a:buChar char="•"/>
+            </a:pPr>
+            <a:r>
+              <a:rPr lang="en-US" sz="2800" dirty="0"/>
+              <a:t>There is no way to know the pump is really running or not</a:t>
+            </a:r>
+          </a:p>
+          <a:p>
+            <a:pPr marL="285750" indent="-285750">
+              <a:buFont typeface="Arial" panose="020B0604020202020204" pitchFamily="34" charset="0"/>
+              <a:buChar char="•"/>
+            </a:pPr>
+            <a:r>
+              <a:rPr lang="en-US" sz="2800" dirty="0"/>
+              <a:t>There is no way to know whether there is water in the source</a:t>
+            </a:r>
+          </a:p>
+          <a:p>
+            <a:pPr marL="285750" indent="-285750">
+              <a:buFont typeface="Arial" panose="020B0604020202020204" pitchFamily="34" charset="0"/>
+              <a:buChar char="•"/>
+            </a:pPr>
+            <a:r>
+              <a:rPr lang="en-US" sz="2800" dirty="0"/>
+              <a:t>There  is no way to know whether farm is over flowing or nor</a:t>
+            </a:r>
+          </a:p>
+          <a:p>
+            <a:pPr marL="285750" indent="-285750">
+              <a:buFont typeface="Arial" panose="020B0604020202020204" pitchFamily="34" charset="0"/>
+              <a:buChar char="•"/>
+            </a:pPr>
+            <a:r>
+              <a:rPr lang="en-US" sz="2800" dirty="0"/>
+              <a:t>The climate at Farm</a:t>
+            </a:r>
+          </a:p>
+          <a:p>
+            <a:pPr marL="285750" indent="-285750">
+              <a:buFont typeface="Arial" panose="020B0604020202020204" pitchFamily="34" charset="0"/>
+              <a:buChar char="•"/>
+            </a:pPr>
+            <a:r>
+              <a:rPr lang="en-US" sz="2800" dirty="0"/>
+              <a:t>Other issues </a:t>
+            </a:r>
+            <a:endParaRPr lang="en-IN" sz="2800" dirty="0"/>
           </a:p>
         </p:txBody>
       </p:sp>
     </p:spTree>
     <p:extLst>
       <p:ext uri="{BB962C8B-B14F-4D97-AF65-F5344CB8AC3E}">
-        <p14:creationId xmlns:p14="http://schemas.microsoft.com/office/powerpoint/2010/main" val="2486832197"/>
+        <p14:creationId xmlns:p14="http://schemas.microsoft.com/office/powerpoint/2010/main" val="1866698430"/>
       </p:ext>
     </p:extLst>
   </p:cSld>

--- a/Module-3.pptx
+++ b/Module-3.pptx
@@ -30,8 +30,9 @@
     <p:sldId id="286" r:id="rId24"/>
     <p:sldId id="288" r:id="rId25"/>
     <p:sldId id="289" r:id="rId26"/>
-    <p:sldId id="290" r:id="rId27"/>
-    <p:sldId id="291" r:id="rId28"/>
+    <p:sldId id="292" r:id="rId27"/>
+    <p:sldId id="290" r:id="rId28"/>
+    <p:sldId id="291" r:id="rId29"/>
   </p:sldIdLst>
   <p:sldSz cx="12192000" cy="6858000"/>
   <p:notesSz cx="6858000" cy="9144000"/>
@@ -195,7 +196,7 @@
           <a:noFill/>
           <a:extLst>
             <a:ext uri="{909E8E84-426E-40dd-AFC4-6F175D3DCCD1}">
-              <a14:hiddenFill xmlns="" xmlns:a14="http://schemas.microsoft.com/office/drawing/2010/main">
+              <a14:hiddenFill xmlns:a14="http://schemas.microsoft.com/office/drawing/2010/main" xmlns="">
                 <a:solidFill>
                   <a:srgbClr val="FFFFFF"/>
                 </a:solidFill>
@@ -254,7 +255,7 @@
             </a:ln>
             <a:extLst>
               <a:ext uri="{91240B29-F687-4f45-9708-019B960494DF}">
-                <a14:hiddenLine xmlns="" xmlns:a14="http://schemas.microsoft.com/office/drawing/2010/main" w="9525">
+                <a14:hiddenLine xmlns:a14="http://schemas.microsoft.com/office/drawing/2010/main" xmlns="" w="9525">
                   <a:solidFill>
                     <a:srgbClr val="000000"/>
                   </a:solidFill>
@@ -344,7 +345,7 @@
             </a:ln>
             <a:extLst>
               <a:ext uri="{91240B29-F687-4f45-9708-019B960494DF}">
-                <a14:hiddenLine xmlns="" xmlns:a14="http://schemas.microsoft.com/office/drawing/2010/main" w="9525">
+                <a14:hiddenLine xmlns:a14="http://schemas.microsoft.com/office/drawing/2010/main" xmlns="" w="9525">
                   <a:solidFill>
                     <a:srgbClr val="000000"/>
                   </a:solidFill>
@@ -434,7 +435,7 @@
             </a:ln>
             <a:extLst>
               <a:ext uri="{91240B29-F687-4f45-9708-019B960494DF}">
-                <a14:hiddenLine xmlns="" xmlns:a14="http://schemas.microsoft.com/office/drawing/2010/main" w="9525">
+                <a14:hiddenLine xmlns:a14="http://schemas.microsoft.com/office/drawing/2010/main" xmlns="" w="9525">
                   <a:solidFill>
                     <a:srgbClr val="000000"/>
                   </a:solidFill>
@@ -468,7 +469,7 @@
             </a:ln>
             <a:extLst>
               <a:ext uri="{91240B29-F687-4f45-9708-019B960494DF}">
-                <a14:hiddenLine xmlns="" xmlns:a14="http://schemas.microsoft.com/office/drawing/2010/main" w="9525">
+                <a14:hiddenLine xmlns:a14="http://schemas.microsoft.com/office/drawing/2010/main" xmlns="" w="9525">
                   <a:solidFill>
                     <a:srgbClr val="000000"/>
                   </a:solidFill>
@@ -558,7 +559,7 @@
             </a:ln>
             <a:extLst>
               <a:ext uri="{91240B29-F687-4f45-9708-019B960494DF}">
-                <a14:hiddenLine xmlns="" xmlns:a14="http://schemas.microsoft.com/office/drawing/2010/main" w="9525">
+                <a14:hiddenLine xmlns:a14="http://schemas.microsoft.com/office/drawing/2010/main" xmlns="" w="9525">
                   <a:solidFill>
                     <a:srgbClr val="000000"/>
                   </a:solidFill>
@@ -620,7 +621,7 @@
             </a:ln>
             <a:extLst>
               <a:ext uri="{91240B29-F687-4f45-9708-019B960494DF}">
-                <a14:hiddenLine xmlns="" xmlns:a14="http://schemas.microsoft.com/office/drawing/2010/main" w="9525">
+                <a14:hiddenLine xmlns:a14="http://schemas.microsoft.com/office/drawing/2010/main" xmlns="" w="9525">
                   <a:solidFill>
                     <a:srgbClr val="000000"/>
                   </a:solidFill>
@@ -682,7 +683,7 @@
             </a:ln>
             <a:extLst>
               <a:ext uri="{91240B29-F687-4f45-9708-019B960494DF}">
-                <a14:hiddenLine xmlns="" xmlns:a14="http://schemas.microsoft.com/office/drawing/2010/main" w="9525">
+                <a14:hiddenLine xmlns:a14="http://schemas.microsoft.com/office/drawing/2010/main" xmlns="" w="9525">
                   <a:solidFill>
                     <a:srgbClr val="000000"/>
                   </a:solidFill>
@@ -772,7 +773,7 @@
             </a:ln>
             <a:extLst>
               <a:ext uri="{91240B29-F687-4f45-9708-019B960494DF}">
-                <a14:hiddenLine xmlns="" xmlns:a14="http://schemas.microsoft.com/office/drawing/2010/main" w="9525">
+                <a14:hiddenLine xmlns:a14="http://schemas.microsoft.com/office/drawing/2010/main" xmlns="" w="9525">
                   <a:solidFill>
                     <a:srgbClr val="000000"/>
                   </a:solidFill>
@@ -834,7 +835,7 @@
             </a:ln>
             <a:extLst>
               <a:ext uri="{91240B29-F687-4f45-9708-019B960494DF}">
-                <a14:hiddenLine xmlns="" xmlns:a14="http://schemas.microsoft.com/office/drawing/2010/main" w="9525">
+                <a14:hiddenLine xmlns:a14="http://schemas.microsoft.com/office/drawing/2010/main" xmlns="" w="9525">
                   <a:solidFill>
                     <a:srgbClr val="000000"/>
                   </a:solidFill>
@@ -896,7 +897,7 @@
             </a:ln>
             <a:extLst>
               <a:ext uri="{91240B29-F687-4f45-9708-019B960494DF}">
-                <a14:hiddenLine xmlns="" xmlns:a14="http://schemas.microsoft.com/office/drawing/2010/main" w="9525">
+                <a14:hiddenLine xmlns:a14="http://schemas.microsoft.com/office/drawing/2010/main" xmlns="" w="9525">
                   <a:solidFill>
                     <a:srgbClr val="000000"/>
                   </a:solidFill>
@@ -986,7 +987,7 @@
             </a:ln>
             <a:extLst>
               <a:ext uri="{91240B29-F687-4f45-9708-019B960494DF}">
-                <a14:hiddenLine xmlns="" xmlns:a14="http://schemas.microsoft.com/office/drawing/2010/main" w="9525">
+                <a14:hiddenLine xmlns:a14="http://schemas.microsoft.com/office/drawing/2010/main" xmlns="" w="9525">
                   <a:solidFill>
                     <a:srgbClr val="000000"/>
                   </a:solidFill>
@@ -1076,7 +1077,7 @@
             </a:ln>
             <a:extLst>
               <a:ext uri="{91240B29-F687-4f45-9708-019B960494DF}">
-                <a14:hiddenLine xmlns="" xmlns:a14="http://schemas.microsoft.com/office/drawing/2010/main" w="9525">
+                <a14:hiddenLine xmlns:a14="http://schemas.microsoft.com/office/drawing/2010/main" xmlns="" w="9525">
                   <a:solidFill>
                     <a:srgbClr val="000000"/>
                   </a:solidFill>
@@ -1138,7 +1139,7 @@
             </a:ln>
             <a:extLst>
               <a:ext uri="{91240B29-F687-4f45-9708-019B960494DF}">
-                <a14:hiddenLine xmlns="" xmlns:a14="http://schemas.microsoft.com/office/drawing/2010/main" w="9525">
+                <a14:hiddenLine xmlns:a14="http://schemas.microsoft.com/office/drawing/2010/main" xmlns="" w="9525">
                   <a:solidFill>
                     <a:srgbClr val="000000"/>
                   </a:solidFill>
@@ -1248,7 +1249,7 @@
             </a:ln>
             <a:extLst>
               <a:ext uri="{91240B29-F687-4f45-9708-019B960494DF}">
-                <a14:hiddenLine xmlns="" xmlns:a14="http://schemas.microsoft.com/office/drawing/2010/main" w="9525">
+                <a14:hiddenLine xmlns:a14="http://schemas.microsoft.com/office/drawing/2010/main" xmlns="" w="9525">
                   <a:solidFill>
                     <a:srgbClr val="000000"/>
                   </a:solidFill>
@@ -1310,7 +1311,7 @@
             </a:ln>
             <a:extLst>
               <a:ext uri="{91240B29-F687-4f45-9708-019B960494DF}">
-                <a14:hiddenLine xmlns="" xmlns:a14="http://schemas.microsoft.com/office/drawing/2010/main" w="9525">
+                <a14:hiddenLine xmlns:a14="http://schemas.microsoft.com/office/drawing/2010/main" xmlns="" w="9525">
                   <a:solidFill>
                     <a:srgbClr val="000000"/>
                   </a:solidFill>
@@ -1400,7 +1401,7 @@
             </a:ln>
             <a:extLst>
               <a:ext uri="{91240B29-F687-4f45-9708-019B960494DF}">
-                <a14:hiddenLine xmlns="" xmlns:a14="http://schemas.microsoft.com/office/drawing/2010/main" w="9525">
+                <a14:hiddenLine xmlns:a14="http://schemas.microsoft.com/office/drawing/2010/main" xmlns="" w="9525">
                   <a:solidFill>
                     <a:srgbClr val="000000"/>
                   </a:solidFill>
@@ -1490,7 +1491,7 @@
             </a:ln>
             <a:extLst>
               <a:ext uri="{91240B29-F687-4f45-9708-019B960494DF}">
-                <a14:hiddenLine xmlns="" xmlns:a14="http://schemas.microsoft.com/office/drawing/2010/main" w="9525">
+                <a14:hiddenLine xmlns:a14="http://schemas.microsoft.com/office/drawing/2010/main" xmlns="" w="9525">
                   <a:solidFill>
                     <a:srgbClr val="000000"/>
                   </a:solidFill>
@@ -1552,7 +1553,7 @@
             </a:ln>
             <a:extLst>
               <a:ext uri="{91240B29-F687-4f45-9708-019B960494DF}">
-                <a14:hiddenLine xmlns="" xmlns:a14="http://schemas.microsoft.com/office/drawing/2010/main" w="9525">
+                <a14:hiddenLine xmlns:a14="http://schemas.microsoft.com/office/drawing/2010/main" xmlns="" w="9525">
                   <a:solidFill>
                     <a:srgbClr val="000000"/>
                   </a:solidFill>
@@ -1642,7 +1643,7 @@
             </a:ln>
             <a:extLst>
               <a:ext uri="{91240B29-F687-4f45-9708-019B960494DF}">
-                <a14:hiddenLine xmlns="" xmlns:a14="http://schemas.microsoft.com/office/drawing/2010/main" w="9525">
+                <a14:hiddenLine xmlns:a14="http://schemas.microsoft.com/office/drawing/2010/main" xmlns="" w="9525">
                   <a:solidFill>
                     <a:srgbClr val="000000"/>
                   </a:solidFill>
@@ -1732,7 +1733,7 @@
             </a:ln>
             <a:extLst>
               <a:ext uri="{91240B29-F687-4f45-9708-019B960494DF}">
-                <a14:hiddenLine xmlns="" xmlns:a14="http://schemas.microsoft.com/office/drawing/2010/main" w="9525">
+                <a14:hiddenLine xmlns:a14="http://schemas.microsoft.com/office/drawing/2010/main" xmlns="" w="9525">
                   <a:solidFill>
                     <a:srgbClr val="000000"/>
                   </a:solidFill>
@@ -1788,7 +1789,7 @@
             </a:ln>
             <a:extLst>
               <a:ext uri="{91240B29-F687-4f45-9708-019B960494DF}">
-                <a14:hiddenLine xmlns="" xmlns:a14="http://schemas.microsoft.com/office/drawing/2010/main" w="9525">
+                <a14:hiddenLine xmlns:a14="http://schemas.microsoft.com/office/drawing/2010/main" xmlns="" w="9525">
                   <a:solidFill>
                     <a:srgbClr val="000000"/>
                   </a:solidFill>
@@ -1878,7 +1879,7 @@
             </a:ln>
             <a:extLst>
               <a:ext uri="{91240B29-F687-4f45-9708-019B960494DF}">
-                <a14:hiddenLine xmlns="" xmlns:a14="http://schemas.microsoft.com/office/drawing/2010/main" w="9525">
+                <a14:hiddenLine xmlns:a14="http://schemas.microsoft.com/office/drawing/2010/main" xmlns="" w="9525">
                   <a:solidFill>
                     <a:srgbClr val="000000"/>
                   </a:solidFill>
@@ -1934,7 +1935,7 @@
             </a:ln>
             <a:extLst>
               <a:ext uri="{91240B29-F687-4f45-9708-019B960494DF}">
-                <a14:hiddenLine xmlns="" xmlns:a14="http://schemas.microsoft.com/office/drawing/2010/main" w="9525">
+                <a14:hiddenLine xmlns:a14="http://schemas.microsoft.com/office/drawing/2010/main" xmlns="" w="9525">
                   <a:solidFill>
                     <a:srgbClr val="000000"/>
                   </a:solidFill>
@@ -2024,7 +2025,7 @@
             </a:ln>
             <a:extLst>
               <a:ext uri="{91240B29-F687-4f45-9708-019B960494DF}">
-                <a14:hiddenLine xmlns="" xmlns:a14="http://schemas.microsoft.com/office/drawing/2010/main" w="9525">
+                <a14:hiddenLine xmlns:a14="http://schemas.microsoft.com/office/drawing/2010/main" xmlns="" w="9525">
                   <a:solidFill>
                     <a:srgbClr val="000000"/>
                   </a:solidFill>
@@ -2092,7 +2093,7 @@
             </a:ln>
             <a:extLst>
               <a:ext uri="{91240B29-F687-4f45-9708-019B960494DF}">
-                <a14:hiddenLine xmlns="" xmlns:a14="http://schemas.microsoft.com/office/drawing/2010/main" w="9525">
+                <a14:hiddenLine xmlns:a14="http://schemas.microsoft.com/office/drawing/2010/main" xmlns="" w="9525">
                   <a:solidFill>
                     <a:srgbClr val="000000"/>
                   </a:solidFill>
@@ -2182,7 +2183,7 @@
             </a:ln>
             <a:extLst>
               <a:ext uri="{91240B29-F687-4f45-9708-019B960494DF}">
-                <a14:hiddenLine xmlns="" xmlns:a14="http://schemas.microsoft.com/office/drawing/2010/main" w="9525">
+                <a14:hiddenLine xmlns:a14="http://schemas.microsoft.com/office/drawing/2010/main" xmlns="" w="9525">
                   <a:solidFill>
                     <a:srgbClr val="000000"/>
                   </a:solidFill>
@@ -2250,7 +2251,7 @@
             </a:ln>
             <a:extLst>
               <a:ext uri="{91240B29-F687-4f45-9708-019B960494DF}">
-                <a14:hiddenLine xmlns="" xmlns:a14="http://schemas.microsoft.com/office/drawing/2010/main" w="9525">
+                <a14:hiddenLine xmlns:a14="http://schemas.microsoft.com/office/drawing/2010/main" xmlns="" w="9525">
                   <a:solidFill>
                     <a:srgbClr val="000000"/>
                   </a:solidFill>
@@ -2340,7 +2341,7 @@
             </a:ln>
             <a:extLst>
               <a:ext uri="{91240B29-F687-4f45-9708-019B960494DF}">
-                <a14:hiddenLine xmlns="" xmlns:a14="http://schemas.microsoft.com/office/drawing/2010/main" w="9525">
+                <a14:hiddenLine xmlns:a14="http://schemas.microsoft.com/office/drawing/2010/main" xmlns="" w="9525">
                   <a:solidFill>
                     <a:srgbClr val="000000"/>
                   </a:solidFill>
@@ -2374,7 +2375,7 @@
             </a:ln>
             <a:extLst>
               <a:ext uri="{91240B29-F687-4f45-9708-019B960494DF}">
-                <a14:hiddenLine xmlns="" xmlns:a14="http://schemas.microsoft.com/office/drawing/2010/main" w="9525">
+                <a14:hiddenLine xmlns:a14="http://schemas.microsoft.com/office/drawing/2010/main" xmlns="" w="9525">
                   <a:solidFill>
                     <a:srgbClr val="000000"/>
                   </a:solidFill>
@@ -2464,7 +2465,7 @@
             </a:ln>
             <a:extLst>
               <a:ext uri="{91240B29-F687-4f45-9708-019B960494DF}">
-                <a14:hiddenLine xmlns="" xmlns:a14="http://schemas.microsoft.com/office/drawing/2010/main" w="9525">
+                <a14:hiddenLine xmlns:a14="http://schemas.microsoft.com/office/drawing/2010/main" xmlns="" w="9525">
                   <a:solidFill>
                     <a:srgbClr val="000000"/>
                   </a:solidFill>
@@ -2526,7 +2527,7 @@
             </a:ln>
             <a:extLst>
               <a:ext uri="{91240B29-F687-4f45-9708-019B960494DF}">
-                <a14:hiddenLine xmlns="" xmlns:a14="http://schemas.microsoft.com/office/drawing/2010/main" w="9525">
+                <a14:hiddenLine xmlns:a14="http://schemas.microsoft.com/office/drawing/2010/main" xmlns="" w="9525">
                   <a:solidFill>
                     <a:srgbClr val="000000"/>
                   </a:solidFill>
@@ -2588,7 +2589,7 @@
             </a:ln>
             <a:extLst>
               <a:ext uri="{91240B29-F687-4f45-9708-019B960494DF}">
-                <a14:hiddenLine xmlns="" xmlns:a14="http://schemas.microsoft.com/office/drawing/2010/main" w="9525">
+                <a14:hiddenLine xmlns:a14="http://schemas.microsoft.com/office/drawing/2010/main" xmlns="" w="9525">
                   <a:solidFill>
                     <a:srgbClr val="000000"/>
                   </a:solidFill>
@@ -2678,7 +2679,7 @@
             </a:ln>
             <a:extLst>
               <a:ext uri="{91240B29-F687-4f45-9708-019B960494DF}">
-                <a14:hiddenLine xmlns="" xmlns:a14="http://schemas.microsoft.com/office/drawing/2010/main" w="9525">
+                <a14:hiddenLine xmlns:a14="http://schemas.microsoft.com/office/drawing/2010/main" xmlns="" w="9525">
                   <a:solidFill>
                     <a:srgbClr val="000000"/>
                   </a:solidFill>
@@ -2746,7 +2747,7 @@
             </a:ln>
             <a:extLst>
               <a:ext uri="{91240B29-F687-4f45-9708-019B960494DF}">
-                <a14:hiddenLine xmlns="" xmlns:a14="http://schemas.microsoft.com/office/drawing/2010/main" w="9525">
+                <a14:hiddenLine xmlns:a14="http://schemas.microsoft.com/office/drawing/2010/main" xmlns="" w="9525">
                   <a:solidFill>
                     <a:srgbClr val="000000"/>
                   </a:solidFill>
@@ -2808,7 +2809,7 @@
             </a:ln>
             <a:extLst>
               <a:ext uri="{91240B29-F687-4f45-9708-019B960494DF}">
-                <a14:hiddenLine xmlns="" xmlns:a14="http://schemas.microsoft.com/office/drawing/2010/main" w="9525">
+                <a14:hiddenLine xmlns:a14="http://schemas.microsoft.com/office/drawing/2010/main" xmlns="" w="9525">
                   <a:solidFill>
                     <a:srgbClr val="000000"/>
                   </a:solidFill>
@@ -2898,7 +2899,7 @@
             </a:ln>
             <a:extLst>
               <a:ext uri="{91240B29-F687-4f45-9708-019B960494DF}">
-                <a14:hiddenLine xmlns="" xmlns:a14="http://schemas.microsoft.com/office/drawing/2010/main" w="9525">
+                <a14:hiddenLine xmlns:a14="http://schemas.microsoft.com/office/drawing/2010/main" xmlns="" w="9525">
                   <a:solidFill>
                     <a:srgbClr val="000000"/>
                   </a:solidFill>
@@ -2960,7 +2961,7 @@
             </a:ln>
             <a:extLst>
               <a:ext uri="{91240B29-F687-4f45-9708-019B960494DF}">
-                <a14:hiddenLine xmlns="" xmlns:a14="http://schemas.microsoft.com/office/drawing/2010/main" w="9525">
+                <a14:hiddenLine xmlns:a14="http://schemas.microsoft.com/office/drawing/2010/main" xmlns="" w="9525">
                   <a:solidFill>
                     <a:srgbClr val="000000"/>
                   </a:solidFill>
@@ -3050,7 +3051,7 @@
             </a:ln>
             <a:extLst>
               <a:ext uri="{91240B29-F687-4f45-9708-019B960494DF}">
-                <a14:hiddenLine xmlns="" xmlns:a14="http://schemas.microsoft.com/office/drawing/2010/main" w="9525">
+                <a14:hiddenLine xmlns:a14="http://schemas.microsoft.com/office/drawing/2010/main" xmlns="" w="9525">
                   <a:solidFill>
                     <a:srgbClr val="000000"/>
                   </a:solidFill>
@@ -3112,7 +3113,7 @@
             </a:ln>
             <a:extLst>
               <a:ext uri="{91240B29-F687-4f45-9708-019B960494DF}">
-                <a14:hiddenLine xmlns="" xmlns:a14="http://schemas.microsoft.com/office/drawing/2010/main" w="9525">
+                <a14:hiddenLine xmlns:a14="http://schemas.microsoft.com/office/drawing/2010/main" xmlns="" w="9525">
                   <a:solidFill>
                     <a:srgbClr val="000000"/>
                   </a:solidFill>
@@ -3202,7 +3203,7 @@
             </a:ln>
             <a:extLst>
               <a:ext uri="{91240B29-F687-4f45-9708-019B960494DF}">
-                <a14:hiddenLine xmlns="" xmlns:a14="http://schemas.microsoft.com/office/drawing/2010/main" w="9525">
+                <a14:hiddenLine xmlns:a14="http://schemas.microsoft.com/office/drawing/2010/main" xmlns="" w="9525">
                   <a:solidFill>
                     <a:srgbClr val="000000"/>
                   </a:solidFill>
@@ -3236,7 +3237,7 @@
             </a:ln>
             <a:extLst>
               <a:ext uri="{91240B29-F687-4f45-9708-019B960494DF}">
-                <a14:hiddenLine xmlns="" xmlns:a14="http://schemas.microsoft.com/office/drawing/2010/main" w="9525">
+                <a14:hiddenLine xmlns:a14="http://schemas.microsoft.com/office/drawing/2010/main" xmlns="" w="9525">
                   <a:solidFill>
                     <a:srgbClr val="000000"/>
                   </a:solidFill>
@@ -3301,7 +3302,7 @@
             </a:ln>
             <a:extLst>
               <a:ext uri="{91240B29-F687-4f45-9708-019B960494DF}">
-                <a14:hiddenLine xmlns="" xmlns:a14="http://schemas.microsoft.com/office/drawing/2010/main" w="9525">
+                <a14:hiddenLine xmlns:a14="http://schemas.microsoft.com/office/drawing/2010/main" xmlns="" w="9525">
                   <a:solidFill>
                     <a:srgbClr val="000000"/>
                   </a:solidFill>
@@ -3391,7 +3392,7 @@
             </a:ln>
             <a:extLst>
               <a:ext uri="{91240B29-F687-4f45-9708-019B960494DF}">
-                <a14:hiddenLine xmlns="" xmlns:a14="http://schemas.microsoft.com/office/drawing/2010/main" w="9525">
+                <a14:hiddenLine xmlns:a14="http://schemas.microsoft.com/office/drawing/2010/main" xmlns="" w="9525">
                   <a:solidFill>
                     <a:srgbClr val="000000"/>
                   </a:solidFill>
@@ -3453,7 +3454,7 @@
             </a:ln>
             <a:extLst>
               <a:ext uri="{91240B29-F687-4f45-9708-019B960494DF}">
-                <a14:hiddenLine xmlns="" xmlns:a14="http://schemas.microsoft.com/office/drawing/2010/main" w="9525">
+                <a14:hiddenLine xmlns:a14="http://schemas.microsoft.com/office/drawing/2010/main" xmlns="" w="9525">
                   <a:solidFill>
                     <a:srgbClr val="000000"/>
                   </a:solidFill>
@@ -3543,7 +3544,7 @@
             </a:ln>
             <a:extLst>
               <a:ext uri="{91240B29-F687-4f45-9708-019B960494DF}">
-                <a14:hiddenLine xmlns="" xmlns:a14="http://schemas.microsoft.com/office/drawing/2010/main" w="9525">
+                <a14:hiddenLine xmlns:a14="http://schemas.microsoft.com/office/drawing/2010/main" xmlns="" w="9525">
                   <a:solidFill>
                     <a:srgbClr val="000000"/>
                   </a:solidFill>
@@ -3633,7 +3634,7 @@
             </a:ln>
             <a:extLst>
               <a:ext uri="{91240B29-F687-4f45-9708-019B960494DF}">
-                <a14:hiddenLine xmlns="" xmlns:a14="http://schemas.microsoft.com/office/drawing/2010/main" w="9525">
+                <a14:hiddenLine xmlns:a14="http://schemas.microsoft.com/office/drawing/2010/main" xmlns="" w="9525">
                   <a:solidFill>
                     <a:srgbClr val="000000"/>
                   </a:solidFill>
@@ -3698,7 +3699,7 @@
             </a:ln>
             <a:extLst>
               <a:ext uri="{91240B29-F687-4f45-9708-019B960494DF}">
-                <a14:hiddenLine xmlns="" xmlns:a14="http://schemas.microsoft.com/office/drawing/2010/main" w="9525">
+                <a14:hiddenLine xmlns:a14="http://schemas.microsoft.com/office/drawing/2010/main" xmlns="" w="9525">
                   <a:solidFill>
                     <a:srgbClr val="000000"/>
                   </a:solidFill>
@@ -3760,7 +3761,7 @@
             </a:ln>
             <a:extLst>
               <a:ext uri="{91240B29-F687-4f45-9708-019B960494DF}">
-                <a14:hiddenLine xmlns="" xmlns:a14="http://schemas.microsoft.com/office/drawing/2010/main" w="9525">
+                <a14:hiddenLine xmlns:a14="http://schemas.microsoft.com/office/drawing/2010/main" xmlns="" w="9525">
                   <a:solidFill>
                     <a:srgbClr val="000000"/>
                   </a:solidFill>
@@ -3850,7 +3851,7 @@
             </a:ln>
             <a:extLst>
               <a:ext uri="{91240B29-F687-4f45-9708-019B960494DF}">
-                <a14:hiddenLine xmlns="" xmlns:a14="http://schemas.microsoft.com/office/drawing/2010/main" w="9525">
+                <a14:hiddenLine xmlns:a14="http://schemas.microsoft.com/office/drawing/2010/main" xmlns="" w="9525">
                   <a:solidFill>
                     <a:srgbClr val="000000"/>
                   </a:solidFill>
@@ -3940,7 +3941,7 @@
             </a:ln>
             <a:extLst>
               <a:ext uri="{91240B29-F687-4f45-9708-019B960494DF}">
-                <a14:hiddenLine xmlns="" xmlns:a14="http://schemas.microsoft.com/office/drawing/2010/main" w="9525">
+                <a14:hiddenLine xmlns:a14="http://schemas.microsoft.com/office/drawing/2010/main" xmlns="" w="9525">
                   <a:solidFill>
                     <a:srgbClr val="000000"/>
                   </a:solidFill>
@@ -4002,7 +4003,7 @@
             </a:ln>
             <a:extLst>
               <a:ext uri="{91240B29-F687-4f45-9708-019B960494DF}">
-                <a14:hiddenLine xmlns="" xmlns:a14="http://schemas.microsoft.com/office/drawing/2010/main" w="9525">
+                <a14:hiddenLine xmlns:a14="http://schemas.microsoft.com/office/drawing/2010/main" xmlns="" w="9525">
                   <a:solidFill>
                     <a:srgbClr val="000000"/>
                   </a:solidFill>
@@ -4122,7 +4123,7 @@
             </a:ln>
             <a:extLst>
               <a:ext uri="{91240B29-F687-4f45-9708-019B960494DF}">
-                <a14:hiddenLine xmlns="" xmlns:a14="http://schemas.microsoft.com/office/drawing/2010/main" w="9525">
+                <a14:hiddenLine xmlns:a14="http://schemas.microsoft.com/office/drawing/2010/main" xmlns="" w="9525">
                   <a:solidFill>
                     <a:srgbClr val="000000"/>
                   </a:solidFill>
@@ -4190,7 +4191,7 @@
             </a:ln>
             <a:extLst>
               <a:ext uri="{91240B29-F687-4f45-9708-019B960494DF}">
-                <a14:hiddenLine xmlns="" xmlns:a14="http://schemas.microsoft.com/office/drawing/2010/main" w="9525">
+                <a14:hiddenLine xmlns:a14="http://schemas.microsoft.com/office/drawing/2010/main" xmlns="" w="9525">
                   <a:solidFill>
                     <a:srgbClr val="000000"/>
                   </a:solidFill>
@@ -4280,7 +4281,7 @@
             </a:ln>
             <a:extLst>
               <a:ext uri="{91240B29-F687-4f45-9708-019B960494DF}">
-                <a14:hiddenLine xmlns="" xmlns:a14="http://schemas.microsoft.com/office/drawing/2010/main" w="9525">
+                <a14:hiddenLine xmlns:a14="http://schemas.microsoft.com/office/drawing/2010/main" xmlns="" w="9525">
                   <a:solidFill>
                     <a:srgbClr val="000000"/>
                   </a:solidFill>
@@ -4420,7 +4421,7 @@
           <a:p>
             <a:fld id="{48A87A34-81AB-432B-8DAE-1953F412C126}" type="datetimeFigureOut">
               <a:rPr lang="en-US" dirty="0"/>
-              <a:t>7/21/2020</a:t>
+              <a:t>7/23/2020</a:t>
             </a:fld>
             <a:endParaRPr lang="en-US" dirty="0"/>
           </a:p>
@@ -4682,7 +4683,7 @@
           <a:p>
             <a:fld id="{48A87A34-81AB-432B-8DAE-1953F412C126}" type="datetimeFigureOut">
               <a:rPr lang="en-US" dirty="0"/>
-              <a:t>7/21/2020</a:t>
+              <a:t>7/23/2020</a:t>
             </a:fld>
             <a:endParaRPr lang="en-US" dirty="0"/>
           </a:p>
@@ -4873,7 +4874,7 @@
           <a:p>
             <a:fld id="{48A87A34-81AB-432B-8DAE-1953F412C126}" type="datetimeFigureOut">
               <a:rPr lang="en-US" dirty="0"/>
-              <a:t>7/21/2020</a:t>
+              <a:t>7/23/2020</a:t>
             </a:fld>
             <a:endParaRPr lang="en-US" dirty="0"/>
           </a:p>
@@ -5131,7 +5132,7 @@
           <a:p>
             <a:fld id="{48A87A34-81AB-432B-8DAE-1953F412C126}" type="datetimeFigureOut">
               <a:rPr lang="en-US" dirty="0"/>
-              <a:t>7/21/2020</a:t>
+              <a:t>7/23/2020</a:t>
             </a:fld>
             <a:endParaRPr lang="en-US" dirty="0"/>
           </a:p>
@@ -5560,7 +5561,7 @@
           <a:p>
             <a:fld id="{48A87A34-81AB-432B-8DAE-1953F412C126}" type="datetimeFigureOut">
               <a:rPr lang="en-US" dirty="0"/>
-              <a:t>7/21/2020</a:t>
+              <a:t>7/23/2020</a:t>
             </a:fld>
             <a:endParaRPr lang="en-US" dirty="0"/>
           </a:p>
@@ -6101,7 +6102,7 @@
           <a:p>
             <a:fld id="{48A87A34-81AB-432B-8DAE-1953F412C126}" type="datetimeFigureOut">
               <a:rPr lang="en-US" dirty="0"/>
-              <a:t>7/21/2020</a:t>
+              <a:t>7/23/2020</a:t>
             </a:fld>
             <a:endParaRPr lang="en-US" dirty="0"/>
           </a:p>
@@ -6816,7 +6817,7 @@
           <a:p>
             <a:fld id="{48A87A34-81AB-432B-8DAE-1953F412C126}" type="datetimeFigureOut">
               <a:rPr lang="en-US" dirty="0"/>
-              <a:t>7/21/2020</a:t>
+              <a:t>7/23/2020</a:t>
             </a:fld>
             <a:endParaRPr lang="en-US" dirty="0"/>
           </a:p>
@@ -6981,7 +6982,7 @@
           <a:p>
             <a:fld id="{48A87A34-81AB-432B-8DAE-1953F412C126}" type="datetimeFigureOut">
               <a:rPr lang="en-US" dirty="0"/>
-              <a:t>7/21/2020</a:t>
+              <a:t>7/23/2020</a:t>
             </a:fld>
             <a:endParaRPr lang="en-US" dirty="0"/>
           </a:p>
@@ -7156,7 +7157,7 @@
           <a:p>
             <a:fld id="{48A87A34-81AB-432B-8DAE-1953F412C126}" type="datetimeFigureOut">
               <a:rPr lang="en-US" dirty="0"/>
-              <a:t>7/21/2020</a:t>
+              <a:t>7/23/2020</a:t>
             </a:fld>
             <a:endParaRPr lang="en-US" dirty="0"/>
           </a:p>
@@ -7321,7 +7322,7 @@
           <a:p>
             <a:fld id="{48A87A34-81AB-432B-8DAE-1953F412C126}" type="datetimeFigureOut">
               <a:rPr lang="en-US" dirty="0"/>
-              <a:t>7/21/2020</a:t>
+              <a:t>7/23/2020</a:t>
             </a:fld>
             <a:endParaRPr lang="en-US" dirty="0"/>
           </a:p>
@@ -7566,7 +7567,7 @@
           <a:p>
             <a:fld id="{48A87A34-81AB-432B-8DAE-1953F412C126}" type="datetimeFigureOut">
               <a:rPr lang="en-US" dirty="0"/>
-              <a:t>7/21/2020</a:t>
+              <a:t>7/23/2020</a:t>
             </a:fld>
             <a:endParaRPr lang="en-US" dirty="0"/>
           </a:p>
@@ -7793,7 +7794,7 @@
           <a:p>
             <a:fld id="{48A87A34-81AB-432B-8DAE-1953F412C126}" type="datetimeFigureOut">
               <a:rPr lang="en-US" dirty="0"/>
-              <a:t>7/21/2020</a:t>
+              <a:t>7/23/2020</a:t>
             </a:fld>
             <a:endParaRPr lang="en-US" dirty="0"/>
           </a:p>
@@ -8169,7 +8170,7 @@
           <a:p>
             <a:fld id="{48A87A34-81AB-432B-8DAE-1953F412C126}" type="datetimeFigureOut">
               <a:rPr lang="en-US" dirty="0"/>
-              <a:t>7/21/2020</a:t>
+              <a:t>7/23/2020</a:t>
             </a:fld>
             <a:endParaRPr lang="en-US" dirty="0"/>
           </a:p>
@@ -8282,7 +8283,7 @@
           <a:p>
             <a:fld id="{48A87A34-81AB-432B-8DAE-1953F412C126}" type="datetimeFigureOut">
               <a:rPr lang="en-US" dirty="0"/>
-              <a:t>7/21/2020</a:t>
+              <a:t>7/23/2020</a:t>
             </a:fld>
             <a:endParaRPr lang="en-US" dirty="0"/>
           </a:p>
@@ -8372,7 +8373,7 @@
           <a:p>
             <a:fld id="{48A87A34-81AB-432B-8DAE-1953F412C126}" type="datetimeFigureOut">
               <a:rPr lang="en-US" dirty="0"/>
-              <a:t>7/21/2020</a:t>
+              <a:t>7/23/2020</a:t>
             </a:fld>
             <a:endParaRPr lang="en-US" dirty="0"/>
           </a:p>
@@ -8616,7 +8617,7 @@
           <a:p>
             <a:fld id="{48A87A34-81AB-432B-8DAE-1953F412C126}" type="datetimeFigureOut">
               <a:rPr lang="en-US" dirty="0"/>
-              <a:t>7/21/2020</a:t>
+              <a:t>7/23/2020</a:t>
             </a:fld>
             <a:endParaRPr lang="en-US" dirty="0"/>
           </a:p>
@@ -8891,7 +8892,7 @@
           <a:p>
             <a:fld id="{48A87A34-81AB-432B-8DAE-1953F412C126}" type="datetimeFigureOut">
               <a:rPr lang="en-US" dirty="0"/>
-              <a:t>7/21/2020</a:t>
+              <a:t>7/23/2020</a:t>
             </a:fld>
             <a:endParaRPr lang="en-US" dirty="0"/>
           </a:p>
@@ -9009,7 +9010,7 @@
           <a:noFill/>
           <a:extLst>
             <a:ext uri="{909E8E84-426E-40dd-AFC4-6F175D3DCCD1}">
-              <a14:hiddenFill xmlns="" xmlns:a14="http://schemas.microsoft.com/office/drawing/2010/main">
+              <a14:hiddenFill xmlns:a14="http://schemas.microsoft.com/office/drawing/2010/main" xmlns="">
                 <a:solidFill>
                   <a:srgbClr val="FFFFFF"/>
                 </a:solidFill>
@@ -9083,7 +9084,7 @@
               </a:ln>
               <a:extLst>
                 <a:ext uri="{91240B29-F687-4f45-9708-019B960494DF}">
-                  <a14:hiddenLine xmlns="" xmlns:a14="http://schemas.microsoft.com/office/drawing/2010/main" w="9525">
+                  <a14:hiddenLine xmlns:a14="http://schemas.microsoft.com/office/drawing/2010/main" xmlns="" w="9525">
                     <a:solidFill>
                       <a:srgbClr val="000000"/>
                     </a:solidFill>
@@ -9173,7 +9174,7 @@
               </a:ln>
               <a:extLst>
                 <a:ext uri="{91240B29-F687-4f45-9708-019B960494DF}">
-                  <a14:hiddenLine xmlns="" xmlns:a14="http://schemas.microsoft.com/office/drawing/2010/main" w="9525">
+                  <a14:hiddenLine xmlns:a14="http://schemas.microsoft.com/office/drawing/2010/main" xmlns="" w="9525">
                     <a:solidFill>
                       <a:srgbClr val="000000"/>
                     </a:solidFill>
@@ -9263,7 +9264,7 @@
               </a:ln>
               <a:extLst>
                 <a:ext uri="{91240B29-F687-4f45-9708-019B960494DF}">
-                  <a14:hiddenLine xmlns="" xmlns:a14="http://schemas.microsoft.com/office/drawing/2010/main" w="9525">
+                  <a14:hiddenLine xmlns:a14="http://schemas.microsoft.com/office/drawing/2010/main" xmlns="" w="9525">
                     <a:solidFill>
                       <a:srgbClr val="000000"/>
                     </a:solidFill>
@@ -9325,7 +9326,7 @@
               </a:ln>
               <a:extLst>
                 <a:ext uri="{91240B29-F687-4f45-9708-019B960494DF}">
-                  <a14:hiddenLine xmlns="" xmlns:a14="http://schemas.microsoft.com/office/drawing/2010/main" w="9525">
+                  <a14:hiddenLine xmlns:a14="http://schemas.microsoft.com/office/drawing/2010/main" xmlns="" w="9525">
                     <a:solidFill>
                       <a:srgbClr val="000000"/>
                     </a:solidFill>
@@ -9415,7 +9416,7 @@
               </a:ln>
               <a:extLst>
                 <a:ext uri="{91240B29-F687-4f45-9708-019B960494DF}">
-                  <a14:hiddenLine xmlns="" xmlns:a14="http://schemas.microsoft.com/office/drawing/2010/main" w="9525">
+                  <a14:hiddenLine xmlns:a14="http://schemas.microsoft.com/office/drawing/2010/main" xmlns="" w="9525">
                     <a:solidFill>
                       <a:srgbClr val="000000"/>
                     </a:solidFill>
@@ -9477,7 +9478,7 @@
               </a:ln>
               <a:extLst>
                 <a:ext uri="{91240B29-F687-4f45-9708-019B960494DF}">
-                  <a14:hiddenLine xmlns="" xmlns:a14="http://schemas.microsoft.com/office/drawing/2010/main" w="9525">
+                  <a14:hiddenLine xmlns:a14="http://schemas.microsoft.com/office/drawing/2010/main" xmlns="" w="9525">
                     <a:solidFill>
                       <a:srgbClr val="000000"/>
                     </a:solidFill>
@@ -9539,7 +9540,7 @@
               </a:ln>
               <a:extLst>
                 <a:ext uri="{91240B29-F687-4f45-9708-019B960494DF}">
-                  <a14:hiddenLine xmlns="" xmlns:a14="http://schemas.microsoft.com/office/drawing/2010/main" w="9525">
+                  <a14:hiddenLine xmlns:a14="http://schemas.microsoft.com/office/drawing/2010/main" xmlns="" w="9525">
                     <a:solidFill>
                       <a:srgbClr val="000000"/>
                     </a:solidFill>
@@ -9629,7 +9630,7 @@
               </a:ln>
               <a:extLst>
                 <a:ext uri="{91240B29-F687-4f45-9708-019B960494DF}">
-                  <a14:hiddenLine xmlns="" xmlns:a14="http://schemas.microsoft.com/office/drawing/2010/main" w="9525">
+                  <a14:hiddenLine xmlns:a14="http://schemas.microsoft.com/office/drawing/2010/main" xmlns="" w="9525">
                     <a:solidFill>
                       <a:srgbClr val="000000"/>
                     </a:solidFill>
@@ -9719,7 +9720,7 @@
               </a:ln>
               <a:extLst>
                 <a:ext uri="{91240B29-F687-4f45-9708-019B960494DF}">
-                  <a14:hiddenLine xmlns="" xmlns:a14="http://schemas.microsoft.com/office/drawing/2010/main" w="9525">
+                  <a14:hiddenLine xmlns:a14="http://schemas.microsoft.com/office/drawing/2010/main" xmlns="" w="9525">
                     <a:solidFill>
                       <a:srgbClr val="000000"/>
                     </a:solidFill>
@@ -9781,7 +9782,7 @@
               </a:ln>
               <a:extLst>
                 <a:ext uri="{91240B29-F687-4f45-9708-019B960494DF}">
-                  <a14:hiddenLine xmlns="" xmlns:a14="http://schemas.microsoft.com/office/drawing/2010/main" w="9525">
+                  <a14:hiddenLine xmlns:a14="http://schemas.microsoft.com/office/drawing/2010/main" xmlns="" w="9525">
                     <a:solidFill>
                       <a:srgbClr val="000000"/>
                     </a:solidFill>
@@ -9891,7 +9892,7 @@
               </a:ln>
               <a:extLst>
                 <a:ext uri="{91240B29-F687-4f45-9708-019B960494DF}">
-                  <a14:hiddenLine xmlns="" xmlns:a14="http://schemas.microsoft.com/office/drawing/2010/main" w="9525">
+                  <a14:hiddenLine xmlns:a14="http://schemas.microsoft.com/office/drawing/2010/main" xmlns="" w="9525">
                     <a:solidFill>
                       <a:srgbClr val="000000"/>
                     </a:solidFill>
@@ -9975,7 +9976,7 @@
               </a:ln>
               <a:extLst>
                 <a:ext uri="{91240B29-F687-4f45-9708-019B960494DF}">
-                  <a14:hiddenLine xmlns="" xmlns:a14="http://schemas.microsoft.com/office/drawing/2010/main" w="9525">
+                  <a14:hiddenLine xmlns:a14="http://schemas.microsoft.com/office/drawing/2010/main" xmlns="" w="9525">
                     <a:solidFill>
                       <a:srgbClr val="000000"/>
                     </a:solidFill>
@@ -10037,7 +10038,7 @@
               </a:ln>
               <a:extLst>
                 <a:ext uri="{91240B29-F687-4f45-9708-019B960494DF}">
-                  <a14:hiddenLine xmlns="" xmlns:a14="http://schemas.microsoft.com/office/drawing/2010/main" w="9525">
+                  <a14:hiddenLine xmlns:a14="http://schemas.microsoft.com/office/drawing/2010/main" xmlns="" w="9525">
                     <a:solidFill>
                       <a:srgbClr val="000000"/>
                     </a:solidFill>
@@ -10099,7 +10100,7 @@
               </a:ln>
               <a:extLst>
                 <a:ext uri="{91240B29-F687-4f45-9708-019B960494DF}">
-                  <a14:hiddenLine xmlns="" xmlns:a14="http://schemas.microsoft.com/office/drawing/2010/main" w="9525">
+                  <a14:hiddenLine xmlns:a14="http://schemas.microsoft.com/office/drawing/2010/main" xmlns="" w="9525">
                     <a:solidFill>
                       <a:srgbClr val="000000"/>
                     </a:solidFill>
@@ -10189,7 +10190,7 @@
               </a:ln>
               <a:extLst>
                 <a:ext uri="{91240B29-F687-4f45-9708-019B960494DF}">
-                  <a14:hiddenLine xmlns="" xmlns:a14="http://schemas.microsoft.com/office/drawing/2010/main" w="9525">
+                  <a14:hiddenLine xmlns:a14="http://schemas.microsoft.com/office/drawing/2010/main" xmlns="" w="9525">
                     <a:solidFill>
                       <a:srgbClr val="000000"/>
                     </a:solidFill>
@@ -10223,7 +10224,7 @@
               </a:ln>
               <a:extLst>
                 <a:ext uri="{91240B29-F687-4f45-9708-019B960494DF}">
-                  <a14:hiddenLine xmlns="" xmlns:a14="http://schemas.microsoft.com/office/drawing/2010/main" w="9525">
+                  <a14:hiddenLine xmlns:a14="http://schemas.microsoft.com/office/drawing/2010/main" xmlns="" w="9525">
                     <a:solidFill>
                       <a:srgbClr val="000000"/>
                     </a:solidFill>
@@ -10288,7 +10289,7 @@
               </a:ln>
               <a:extLst>
                 <a:ext uri="{91240B29-F687-4f45-9708-019B960494DF}">
-                  <a14:hiddenLine xmlns="" xmlns:a14="http://schemas.microsoft.com/office/drawing/2010/main" w="9525">
+                  <a14:hiddenLine xmlns:a14="http://schemas.microsoft.com/office/drawing/2010/main" xmlns="" w="9525">
                     <a:solidFill>
                       <a:srgbClr val="000000"/>
                     </a:solidFill>
@@ -10378,7 +10379,7 @@
               </a:ln>
               <a:extLst>
                 <a:ext uri="{91240B29-F687-4f45-9708-019B960494DF}">
-                  <a14:hiddenLine xmlns="" xmlns:a14="http://schemas.microsoft.com/office/drawing/2010/main" w="9525">
+                  <a14:hiddenLine xmlns:a14="http://schemas.microsoft.com/office/drawing/2010/main" xmlns="" w="9525">
                     <a:solidFill>
                       <a:srgbClr val="000000"/>
                     </a:solidFill>
@@ -10440,7 +10441,7 @@
               </a:ln>
               <a:extLst>
                 <a:ext uri="{91240B29-F687-4f45-9708-019B960494DF}">
-                  <a14:hiddenLine xmlns="" xmlns:a14="http://schemas.microsoft.com/office/drawing/2010/main" w="9525">
+                  <a14:hiddenLine xmlns:a14="http://schemas.microsoft.com/office/drawing/2010/main" xmlns="" w="9525">
                     <a:solidFill>
                       <a:srgbClr val="000000"/>
                     </a:solidFill>
@@ -10530,7 +10531,7 @@
               </a:ln>
               <a:extLst>
                 <a:ext uri="{91240B29-F687-4f45-9708-019B960494DF}">
-                  <a14:hiddenLine xmlns="" xmlns:a14="http://schemas.microsoft.com/office/drawing/2010/main" w="9525">
+                  <a14:hiddenLine xmlns:a14="http://schemas.microsoft.com/office/drawing/2010/main" xmlns="" w="9525">
                     <a:solidFill>
                       <a:srgbClr val="000000"/>
                     </a:solidFill>
@@ -10595,7 +10596,7 @@
               </a:ln>
               <a:extLst>
                 <a:ext uri="{91240B29-F687-4f45-9708-019B960494DF}">
-                  <a14:hiddenLine xmlns="" xmlns:a14="http://schemas.microsoft.com/office/drawing/2010/main" w="9525">
+                  <a14:hiddenLine xmlns:a14="http://schemas.microsoft.com/office/drawing/2010/main" xmlns="" w="9525">
                     <a:solidFill>
                       <a:srgbClr val="000000"/>
                     </a:solidFill>
@@ -10657,7 +10658,7 @@
               </a:ln>
               <a:extLst>
                 <a:ext uri="{91240B29-F687-4f45-9708-019B960494DF}">
-                  <a14:hiddenLine xmlns="" xmlns:a14="http://schemas.microsoft.com/office/drawing/2010/main" w="9525">
+                  <a14:hiddenLine xmlns:a14="http://schemas.microsoft.com/office/drawing/2010/main" xmlns="" w="9525">
                     <a:solidFill>
                       <a:srgbClr val="000000"/>
                     </a:solidFill>
@@ -10747,7 +10748,7 @@
               </a:ln>
               <a:extLst>
                 <a:ext uri="{91240B29-F687-4f45-9708-019B960494DF}">
-                  <a14:hiddenLine xmlns="" xmlns:a14="http://schemas.microsoft.com/office/drawing/2010/main" w="9525">
+                  <a14:hiddenLine xmlns:a14="http://schemas.microsoft.com/office/drawing/2010/main" xmlns="" w="9525">
                     <a:solidFill>
                       <a:srgbClr val="000000"/>
                     </a:solidFill>
@@ -10837,7 +10838,7 @@
               </a:ln>
               <a:extLst>
                 <a:ext uri="{91240B29-F687-4f45-9708-019B960494DF}">
-                  <a14:hiddenLine xmlns="" xmlns:a14="http://schemas.microsoft.com/office/drawing/2010/main" w="9525">
+                  <a14:hiddenLine xmlns:a14="http://schemas.microsoft.com/office/drawing/2010/main" xmlns="" w="9525">
                     <a:solidFill>
                       <a:srgbClr val="000000"/>
                     </a:solidFill>
@@ -10902,7 +10903,7 @@
               </a:ln>
               <a:extLst>
                 <a:ext uri="{91240B29-F687-4f45-9708-019B960494DF}">
-                  <a14:hiddenLine xmlns="" xmlns:a14="http://schemas.microsoft.com/office/drawing/2010/main" w="9525">
+                  <a14:hiddenLine xmlns:a14="http://schemas.microsoft.com/office/drawing/2010/main" xmlns="" w="9525">
                     <a:solidFill>
                       <a:srgbClr val="000000"/>
                     </a:solidFill>
@@ -11022,7 +11023,7 @@
               </a:ln>
               <a:extLst>
                 <a:ext uri="{91240B29-F687-4f45-9708-019B960494DF}">
-                  <a14:hiddenLine xmlns="" xmlns:a14="http://schemas.microsoft.com/office/drawing/2010/main" w="9525">
+                  <a14:hiddenLine xmlns:a14="http://schemas.microsoft.com/office/drawing/2010/main" xmlns="" w="9525">
                     <a:solidFill>
                       <a:srgbClr val="000000"/>
                     </a:solidFill>
@@ -11103,7 +11104,7 @@
               </a:ln>
               <a:extLst>
                 <a:ext uri="{91240B29-F687-4f45-9708-019B960494DF}">
-                  <a14:hiddenLine xmlns="" xmlns:a14="http://schemas.microsoft.com/office/drawing/2010/main" w="9525">
+                  <a14:hiddenLine xmlns:a14="http://schemas.microsoft.com/office/drawing/2010/main" xmlns="" w="9525">
                     <a:solidFill>
                       <a:srgbClr val="000000"/>
                     </a:solidFill>
@@ -11218,7 +11219,7 @@
               </a:ln>
               <a:extLst>
                 <a:ext uri="{91240B29-F687-4f45-9708-019B960494DF}">
-                  <a14:hiddenLine xmlns="" xmlns:a14="http://schemas.microsoft.com/office/drawing/2010/main" w="9525">
+                  <a14:hiddenLine xmlns:a14="http://schemas.microsoft.com/office/drawing/2010/main" xmlns="" w="9525">
                     <a:solidFill>
                       <a:srgbClr val="000000"/>
                     </a:solidFill>
@@ -11308,7 +11309,7 @@
               </a:ln>
               <a:extLst>
                 <a:ext uri="{91240B29-F687-4f45-9708-019B960494DF}">
-                  <a14:hiddenLine xmlns="" xmlns:a14="http://schemas.microsoft.com/office/drawing/2010/main" w="9525">
+                  <a14:hiddenLine xmlns:a14="http://schemas.microsoft.com/office/drawing/2010/main" xmlns="" w="9525">
                     <a:solidFill>
                       <a:srgbClr val="000000"/>
                     </a:solidFill>
@@ -11373,7 +11374,7 @@
               </a:ln>
               <a:extLst>
                 <a:ext uri="{91240B29-F687-4f45-9708-019B960494DF}">
-                  <a14:hiddenLine xmlns="" xmlns:a14="http://schemas.microsoft.com/office/drawing/2010/main" w="9525">
+                  <a14:hiddenLine xmlns:a14="http://schemas.microsoft.com/office/drawing/2010/main" xmlns="" w="9525">
                     <a:solidFill>
                       <a:srgbClr val="000000"/>
                     </a:solidFill>
@@ -11463,7 +11464,7 @@
               </a:ln>
               <a:extLst>
                 <a:ext uri="{91240B29-F687-4f45-9708-019B960494DF}">
-                  <a14:hiddenLine xmlns="" xmlns:a14="http://schemas.microsoft.com/office/drawing/2010/main" w="9525">
+                  <a14:hiddenLine xmlns:a14="http://schemas.microsoft.com/office/drawing/2010/main" xmlns="" w="9525">
                     <a:solidFill>
                       <a:srgbClr val="000000"/>
                     </a:solidFill>
@@ -11531,7 +11532,7 @@
               </a:ln>
               <a:extLst>
                 <a:ext uri="{91240B29-F687-4f45-9708-019B960494DF}">
-                  <a14:hiddenLine xmlns="" xmlns:a14="http://schemas.microsoft.com/office/drawing/2010/main" w="9525">
+                  <a14:hiddenLine xmlns:a14="http://schemas.microsoft.com/office/drawing/2010/main" xmlns="" w="9525">
                     <a:solidFill>
                       <a:srgbClr val="000000"/>
                     </a:solidFill>
@@ -11621,7 +11622,7 @@
               </a:ln>
               <a:extLst>
                 <a:ext uri="{91240B29-F687-4f45-9708-019B960494DF}">
-                  <a14:hiddenLine xmlns="" xmlns:a14="http://schemas.microsoft.com/office/drawing/2010/main" w="9525">
+                  <a14:hiddenLine xmlns:a14="http://schemas.microsoft.com/office/drawing/2010/main" xmlns="" w="9525">
                     <a:solidFill>
                       <a:srgbClr val="000000"/>
                     </a:solidFill>
@@ -11689,7 +11690,7 @@
               </a:ln>
               <a:extLst>
                 <a:ext uri="{91240B29-F687-4f45-9708-019B960494DF}">
-                  <a14:hiddenLine xmlns="" xmlns:a14="http://schemas.microsoft.com/office/drawing/2010/main" w="9525">
+                  <a14:hiddenLine xmlns:a14="http://schemas.microsoft.com/office/drawing/2010/main" xmlns="" w="9525">
                     <a:solidFill>
                       <a:srgbClr val="000000"/>
                     </a:solidFill>
@@ -11779,7 +11780,7 @@
               </a:ln>
               <a:extLst>
                 <a:ext uri="{91240B29-F687-4f45-9708-019B960494DF}">
-                  <a14:hiddenLine xmlns="" xmlns:a14="http://schemas.microsoft.com/office/drawing/2010/main" w="9525">
+                  <a14:hiddenLine xmlns:a14="http://schemas.microsoft.com/office/drawing/2010/main" xmlns="" w="9525">
                     <a:solidFill>
                       <a:srgbClr val="000000"/>
                     </a:solidFill>
@@ -11813,7 +11814,7 @@
               </a:ln>
               <a:extLst>
                 <a:ext uri="{91240B29-F687-4f45-9708-019B960494DF}">
-                  <a14:hiddenLine xmlns="" xmlns:a14="http://schemas.microsoft.com/office/drawing/2010/main" w="9525">
+                  <a14:hiddenLine xmlns:a14="http://schemas.microsoft.com/office/drawing/2010/main" xmlns="" w="9525">
                     <a:solidFill>
                       <a:srgbClr val="000000"/>
                     </a:solidFill>
@@ -11954,7 +11955,7 @@
             <a:fld id="{48A87A34-81AB-432B-8DAE-1953F412C126}" type="datetimeFigureOut">
               <a:rPr lang="en-US" dirty="0"/>
               <a:pPr/>
-              <a:t>7/21/2020</a:t>
+              <a:t>7/23/2020</a:t>
             </a:fld>
             <a:endParaRPr lang="en-US" dirty="0"/>
           </a:p>
@@ -18277,6 +18278,86 @@
       </p:grpSpPr>
       <p:sp>
         <p:nvSpPr>
+          <p:cNvPr id="3" name="Rectangle 2">
+            <a:extLst>
+              <a:ext uri="{FF2B5EF4-FFF2-40B4-BE49-F238E27FC236}">
+                <a16:creationId xmlns:a16="http://schemas.microsoft.com/office/drawing/2014/main" id="{4A18142A-0522-4B82-A338-E4F8673129AE}"/>
+              </a:ext>
+            </a:extLst>
+          </p:cNvPr>
+          <p:cNvSpPr/>
+          <p:nvPr/>
+        </p:nvSpPr>
+        <p:spPr>
+          <a:xfrm>
+            <a:off x="2454367" y="2622778"/>
+            <a:ext cx="6912213" cy="923330"/>
+          </a:xfrm>
+          <a:prstGeom prst="rect">
+            <a:avLst/>
+          </a:prstGeom>
+          <a:noFill/>
+        </p:spPr>
+        <p:txBody>
+          <a:bodyPr wrap="none" lIns="91440" tIns="45720" rIns="91440" bIns="45720">
+            <a:spAutoFit/>
+          </a:bodyPr>
+          <a:lstStyle/>
+          <a:p>
+            <a:pPr algn="ctr"/>
+            <a:r>
+              <a:rPr lang="en-US" sz="5400" b="1" cap="none" spc="0" dirty="0">
+                <a:ln w="22225">
+                  <a:solidFill>
+                    <a:schemeClr val="accent2"/>
+                  </a:solidFill>
+                  <a:prstDash val="solid"/>
+                </a:ln>
+                <a:solidFill>
+                  <a:schemeClr val="accent2">
+                    <a:lumMod val="40000"/>
+                    <a:lumOff val="60000"/>
+                  </a:schemeClr>
+                </a:solidFill>
+                <a:effectLst/>
+              </a:rPr>
+              <a:t>Let us Review the code </a:t>
+            </a:r>
+          </a:p>
+        </p:txBody>
+      </p:sp>
+    </p:spTree>
+    <p:extLst>
+      <p:ext uri="{BB962C8B-B14F-4D97-AF65-F5344CB8AC3E}">
+        <p14:creationId xmlns:p14="http://schemas.microsoft.com/office/powerpoint/2010/main" val="2420431827"/>
+      </p:ext>
+    </p:extLst>
+  </p:cSld>
+  <p:clrMapOvr>
+    <a:masterClrMapping/>
+  </p:clrMapOvr>
+</p:sld>
+</file>
+
+<file path=ppt/slides/slide27.xml><?xml version="1.0" encoding="utf-8"?>
+<p:sld xmlns:a="http://schemas.openxmlformats.org/drawingml/2006/main" xmlns:r="http://schemas.openxmlformats.org/officeDocument/2006/relationships" xmlns:p="http://schemas.openxmlformats.org/presentationml/2006/main">
+  <p:cSld>
+    <p:spTree>
+      <p:nvGrpSpPr>
+        <p:cNvPr id="1" name=""/>
+        <p:cNvGrpSpPr/>
+        <p:nvPr/>
+      </p:nvGrpSpPr>
+      <p:grpSpPr>
+        <a:xfrm>
+          <a:off x="0" y="0"/>
+          <a:ext cx="0" cy="0"/>
+          <a:chOff x="0" y="0"/>
+          <a:chExt cx="0" cy="0"/>
+        </a:xfrm>
+      </p:grpSpPr>
+      <p:sp>
+        <p:nvSpPr>
           <p:cNvPr id="2" name="Title 1">
             <a:extLst>
               <a:ext uri="{FF2B5EF4-FFF2-40B4-BE49-F238E27FC236}">
@@ -18931,7 +19012,7 @@
 </p:sld>
 </file>
 
-<file path=ppt/slides/slide27.xml><?xml version="1.0" encoding="utf-8"?>
+<file path=ppt/slides/slide28.xml><?xml version="1.0" encoding="utf-8"?>
 <p:sld xmlns:a="http://schemas.openxmlformats.org/drawingml/2006/main" xmlns:r="http://schemas.openxmlformats.org/officeDocument/2006/relationships" xmlns:p="http://schemas.openxmlformats.org/presentationml/2006/main">
   <p:cSld>
     <p:spTree>
@@ -19005,14 +19086,7 @@
           </a:bodyPr>
           <a:lstStyle/>
           <a:p>
-            <a:pPr marL="285750" indent="-285750">
-              <a:buFont typeface="Arial" panose="020B0604020202020204" pitchFamily="34" charset="0"/>
-              <a:buChar char="•"/>
-            </a:pPr>
-            <a:r>
-              <a:rPr lang="en-US" sz="2800" dirty="0"/>
-              <a:t>Two separate networks</a:t>
-            </a:r>
+            <a:endParaRPr lang="en-US" sz="2800" dirty="0"/>
           </a:p>
           <a:p>
             <a:pPr marL="285750" indent="-285750">
